--- a/templates/PowerAgentConf2025_976999_Caruso.pptx
+++ b/templates/PowerAgentConf2025_976999_Caruso.pptx
@@ -2,7 +2,7 @@
 <file path=ppt/presentation.xml><?xml version="1.0" encoding="utf-8"?>
 <p:presentation xmlns:a="http://schemas.openxmlformats.org/drawingml/2006/main" xmlns:r="http://schemas.openxmlformats.org/officeDocument/2006/relationships" xmlns:p="http://schemas.openxmlformats.org/presentationml/2006/main" saveSubsetFonts="1">
   <p:sldMasterIdLst>
-    <p:sldMasterId id="2147483661" r:id="rId4"/>
+    <p:sldMasterId id="2147483678" r:id="rId4"/>
   </p:sldMasterIdLst>
   <p:notesMasterIdLst>
     <p:notesMasterId r:id="rId12"/>
@@ -19,7 +19,7 @@
     <p:sldId id="261" r:id="rId10"/>
     <p:sldId id="262" r:id="rId11"/>
   </p:sldIdLst>
-  <p:sldSz cx="11699875" cy="7019925"/>
+  <p:sldSz cx="12479338" cy="7019925"/>
   <p:notesSz cx="6858000" cy="9144000"/>
   <p:defaultTextStyle>
     <a:defPPr>
@@ -273,7 +273,7 @@
           <a:p>
             <a:fld id="{2C164773-81C5-40F4-B8E1-8D7531CD0702}" type="datetimeFigureOut">
               <a:rPr lang="it-IT" smtClean="0"/>
-              <a:t>09/09/2025</a:t>
+              <a:t>24/09/2025</a:t>
             </a:fld>
             <a:endParaRPr lang="it-IT"/>
           </a:p>
@@ -1012,15 +1012,15 @@
         </p:nvSpPr>
         <p:spPr>
           <a:xfrm>
-            <a:off x="1462485" y="1148863"/>
-            <a:ext cx="8774906" cy="2443974"/>
+            <a:off x="1559917" y="1148863"/>
+            <a:ext cx="9359504" cy="2443974"/>
           </a:xfrm>
         </p:spPr>
         <p:txBody>
           <a:bodyPr anchor="b"/>
           <a:lstStyle>
             <a:lvl1pPr algn="ctr">
-              <a:defRPr sz="5758"/>
+              <a:defRPr sz="6142"/>
             </a:lvl1pPr>
           </a:lstStyle>
           <a:p>
@@ -1044,8 +1044,8 @@
         </p:nvSpPr>
         <p:spPr>
           <a:xfrm>
-            <a:off x="1462485" y="3687086"/>
-            <a:ext cx="8774906" cy="1694856"/>
+            <a:off x="1559917" y="3687086"/>
+            <a:ext cx="9359504" cy="1694856"/>
           </a:xfrm>
         </p:spPr>
         <p:txBody>
@@ -1053,39 +1053,39 @@
           <a:lstStyle>
             <a:lvl1pPr marL="0" indent="0" algn="ctr">
               <a:buNone/>
-              <a:defRPr sz="2303"/>
+              <a:defRPr sz="2457"/>
             </a:lvl1pPr>
-            <a:lvl2pPr marL="438729" indent="0" algn="ctr">
+            <a:lvl2pPr marL="467990" indent="0" algn="ctr">
               <a:buNone/>
-              <a:defRPr sz="1919"/>
+              <a:defRPr sz="2047"/>
             </a:lvl2pPr>
-            <a:lvl3pPr marL="877458" indent="0" algn="ctr">
+            <a:lvl3pPr marL="935980" indent="0" algn="ctr">
               <a:buNone/>
-              <a:defRPr sz="1727"/>
+              <a:defRPr sz="1842"/>
             </a:lvl3pPr>
-            <a:lvl4pPr marL="1316187" indent="0" algn="ctr">
+            <a:lvl4pPr marL="1403970" indent="0" algn="ctr">
               <a:buNone/>
-              <a:defRPr sz="1535"/>
+              <a:defRPr sz="1638"/>
             </a:lvl4pPr>
-            <a:lvl5pPr marL="1754916" indent="0" algn="ctr">
+            <a:lvl5pPr marL="1871960" indent="0" algn="ctr">
               <a:buNone/>
-              <a:defRPr sz="1535"/>
+              <a:defRPr sz="1638"/>
             </a:lvl5pPr>
-            <a:lvl6pPr marL="2193646" indent="0" algn="ctr">
+            <a:lvl6pPr marL="2339950" indent="0" algn="ctr">
               <a:buNone/>
-              <a:defRPr sz="1535"/>
+              <a:defRPr sz="1638"/>
             </a:lvl6pPr>
-            <a:lvl7pPr marL="2632375" indent="0" algn="ctr">
+            <a:lvl7pPr marL="2807940" indent="0" algn="ctr">
               <a:buNone/>
-              <a:defRPr sz="1535"/>
+              <a:defRPr sz="1638"/>
             </a:lvl7pPr>
-            <a:lvl8pPr marL="3071104" indent="0" algn="ctr">
+            <a:lvl8pPr marL="3275929" indent="0" algn="ctr">
               <a:buNone/>
-              <a:defRPr sz="1535"/>
+              <a:defRPr sz="1638"/>
             </a:lvl8pPr>
-            <a:lvl9pPr marL="3509833" indent="0" algn="ctr">
+            <a:lvl9pPr marL="3743919" indent="0" algn="ctr">
               <a:buNone/>
-              <a:defRPr sz="1535"/>
+              <a:defRPr sz="1638"/>
             </a:lvl9pPr>
           </a:lstStyle>
           <a:p>
@@ -1113,8 +1113,8 @@
           <a:lstStyle/>
           <a:p>
             <a:fld id="{C764DE79-268F-4C1A-8933-263129D2AF90}" type="datetimeFigureOut">
-              <a:rPr lang="en-US" dirty="0"/>
-              <a:t>9/9/2025</a:t>
+              <a:rPr lang="en-US" smtClean="0"/>
+              <a:t>9/24/2025</a:t>
             </a:fld>
             <a:endParaRPr lang="en-US" dirty="0"/>
           </a:p>
@@ -1155,7 +1155,7 @@
           <a:lstStyle/>
           <a:p>
             <a:fld id="{48F63A3B-78C7-47BE-AE5E-E10140E04643}" type="slidenum">
-              <a:rPr lang="en-US" dirty="0"/>
+              <a:rPr lang="en-US" smtClean="0"/>
               <a:t>‹#›</a:t>
             </a:fld>
             <a:endParaRPr lang="en-US" dirty="0"/>
@@ -1165,7 +1165,7 @@
     </p:spTree>
     <p:extLst>
       <p:ext uri="{BB962C8B-B14F-4D97-AF65-F5344CB8AC3E}">
-        <p14:creationId xmlns:p14="http://schemas.microsoft.com/office/powerpoint/2010/main" val="1168122264"/>
+        <p14:creationId xmlns:p14="http://schemas.microsoft.com/office/powerpoint/2010/main" val="1014139416"/>
       </p:ext>
     </p:extLst>
   </p:cSld>
@@ -1283,8 +1283,8 @@
           <a:lstStyle/>
           <a:p>
             <a:fld id="{C764DE79-268F-4C1A-8933-263129D2AF90}" type="datetimeFigureOut">
-              <a:rPr lang="en-US" dirty="0"/>
-              <a:t>9/9/2025</a:t>
+              <a:rPr lang="en-US" smtClean="0"/>
+              <a:t>9/24/2025</a:t>
             </a:fld>
             <a:endParaRPr lang="en-US" dirty="0"/>
           </a:p>
@@ -1325,7 +1325,7 @@
           <a:lstStyle/>
           <a:p>
             <a:fld id="{48F63A3B-78C7-47BE-AE5E-E10140E04643}" type="slidenum">
-              <a:rPr lang="en-US" dirty="0"/>
+              <a:rPr lang="en-US" smtClean="0"/>
               <a:t>‹#›</a:t>
             </a:fld>
             <a:endParaRPr lang="en-US" dirty="0"/>
@@ -1335,7 +1335,7 @@
     </p:spTree>
     <p:extLst>
       <p:ext uri="{BB962C8B-B14F-4D97-AF65-F5344CB8AC3E}">
-        <p14:creationId xmlns:p14="http://schemas.microsoft.com/office/powerpoint/2010/main" val="4140065366"/>
+        <p14:creationId xmlns:p14="http://schemas.microsoft.com/office/powerpoint/2010/main" val="1713467598"/>
       </p:ext>
     </p:extLst>
   </p:cSld>
@@ -1374,8 +1374,8 @@
         </p:nvSpPr>
         <p:spPr>
           <a:xfrm>
-            <a:off x="8372723" y="373746"/>
-            <a:ext cx="2522786" cy="5949062"/>
+            <a:off x="8930526" y="373746"/>
+            <a:ext cx="2690857" cy="5949062"/>
           </a:xfrm>
         </p:spPr>
         <p:txBody>
@@ -1402,8 +1402,8 @@
         </p:nvSpPr>
         <p:spPr>
           <a:xfrm>
-            <a:off x="804367" y="373746"/>
-            <a:ext cx="7422108" cy="5949062"/>
+            <a:off x="857955" y="373746"/>
+            <a:ext cx="7916580" cy="5949062"/>
           </a:xfrm>
         </p:spPr>
         <p:txBody>
@@ -1463,8 +1463,8 @@
           <a:lstStyle/>
           <a:p>
             <a:fld id="{C764DE79-268F-4C1A-8933-263129D2AF90}" type="datetimeFigureOut">
-              <a:rPr lang="en-US" dirty="0"/>
-              <a:t>9/9/2025</a:t>
+              <a:rPr lang="en-US" smtClean="0"/>
+              <a:t>9/24/2025</a:t>
             </a:fld>
             <a:endParaRPr lang="en-US" dirty="0"/>
           </a:p>
@@ -1505,7 +1505,7 @@
           <a:lstStyle/>
           <a:p>
             <a:fld id="{48F63A3B-78C7-47BE-AE5E-E10140E04643}" type="slidenum">
-              <a:rPr lang="en-US" dirty="0"/>
+              <a:rPr lang="en-US" smtClean="0"/>
               <a:t>‹#›</a:t>
             </a:fld>
             <a:endParaRPr lang="en-US" dirty="0"/>
@@ -1515,7 +1515,7 @@
     </p:spTree>
     <p:extLst>
       <p:ext uri="{BB962C8B-B14F-4D97-AF65-F5344CB8AC3E}">
-        <p14:creationId xmlns:p14="http://schemas.microsoft.com/office/powerpoint/2010/main" val="3356257172"/>
+        <p14:creationId xmlns:p14="http://schemas.microsoft.com/office/powerpoint/2010/main" val="1080936847"/>
       </p:ext>
     </p:extLst>
   </p:cSld>
@@ -1559,8 +1559,8 @@
         </p:nvSpPr>
         <p:spPr>
           <a:xfrm>
-            <a:off x="0" y="5392547"/>
-            <a:ext cx="11699875" cy="1154499"/>
+            <a:off x="1" y="5392548"/>
+            <a:ext cx="12479338" cy="1154499"/>
           </a:xfrm>
           <a:prstGeom prst="rect">
             <a:avLst/>
@@ -1621,8 +1621,8 @@
         </p:nvSpPr>
         <p:spPr>
           <a:xfrm>
-            <a:off x="1" y="0"/>
-            <a:ext cx="11699876" cy="7019925"/>
+            <a:off x="1" y="1"/>
+            <a:ext cx="12479339" cy="7019925"/>
           </a:xfrm>
           <a:prstGeom prst="rect">
             <a:avLst/>
@@ -1678,8 +1678,8 @@
         </p:nvSpPr>
         <p:spPr>
           <a:xfrm rot="10800000" flipH="1">
-            <a:off x="0" y="-490"/>
-            <a:ext cx="8537671" cy="7020415"/>
+            <a:off x="1" y="-490"/>
+            <a:ext cx="9106463" cy="7020415"/>
           </a:xfrm>
           <a:custGeom>
             <a:avLst/>
@@ -1772,8 +1772,8 @@
         </p:nvSpPr>
         <p:spPr>
           <a:xfrm rot="10800000" flipH="1">
-            <a:off x="1" y="-489"/>
-            <a:ext cx="7769447" cy="7020415"/>
+            <a:off x="2" y="-489"/>
+            <a:ext cx="8287059" cy="7020415"/>
           </a:xfrm>
           <a:custGeom>
             <a:avLst/>
@@ -1872,8 +1872,8 @@
         </p:nvSpPr>
         <p:spPr>
           <a:xfrm>
-            <a:off x="171247" y="371673"/>
-            <a:ext cx="7769592" cy="854920"/>
+            <a:off x="182656" y="371673"/>
+            <a:ext cx="8287214" cy="854920"/>
           </a:xfrm>
           <a:prstGeom prst="rect">
             <a:avLst/>
@@ -1957,8 +1957,8 @@
         </p:nvSpPr>
         <p:spPr>
           <a:xfrm>
-            <a:off x="288244" y="1461450"/>
-            <a:ext cx="6100875" cy="2334487"/>
+            <a:off x="307448" y="1461451"/>
+            <a:ext cx="6507324" cy="2334487"/>
           </a:xfrm>
           <a:prstGeom prst="rect">
             <a:avLst/>
@@ -2005,8 +2005,8 @@
         </p:blipFill>
         <p:spPr>
           <a:xfrm>
-            <a:off x="10350344" y="348636"/>
-            <a:ext cx="788910" cy="841504"/>
+            <a:off x="11039899" y="348636"/>
+            <a:ext cx="841468" cy="841504"/>
           </a:xfrm>
           <a:prstGeom prst="rect">
             <a:avLst/>
@@ -2036,8 +2036,8 @@
         </p:nvSpPr>
         <p:spPr>
           <a:xfrm>
-            <a:off x="-2" y="5372142"/>
-            <a:ext cx="11699875" cy="1154499"/>
+            <a:off x="-2" y="5372143"/>
+            <a:ext cx="12479338" cy="1154499"/>
           </a:xfrm>
           <a:prstGeom prst="rect">
             <a:avLst/>
@@ -2104,8 +2104,8 @@
         </p:blipFill>
         <p:spPr>
           <a:xfrm>
-            <a:off x="288244" y="5686237"/>
-            <a:ext cx="2379078" cy="617405"/>
+            <a:off x="307447" y="5686238"/>
+            <a:ext cx="2537576" cy="617405"/>
           </a:xfrm>
           <a:prstGeom prst="rect">
             <a:avLst/>
@@ -2124,41 +2124,6 @@
           </a:ln>
         </p:spPr>
       </p:pic>
-      <p:pic>
-        <p:nvPicPr>
-          <p:cNvPr id="18" name="Google Shape;239;p1" descr="Logo BC Soft">
-            <a:extLst>
-              <a:ext uri="{FF2B5EF4-FFF2-40B4-BE49-F238E27FC236}">
-                <a16:creationId xmlns:a16="http://schemas.microsoft.com/office/drawing/2014/main" id="{A51D0EF9-64A2-EE66-2DC0-2C013FF445F6}"/>
-              </a:ext>
-            </a:extLst>
-          </p:cNvPr>
-          <p:cNvPicPr preferRelativeResize="0">
-            <a:picLocks noChangeAspect="1"/>
-          </p:cNvPicPr>
-          <p:nvPr userDrawn="1"/>
-        </p:nvPicPr>
-        <p:blipFill rotWithShape="1">
-          <a:blip r:embed="rId4">
-            <a:alphaModFix/>
-          </a:blip>
-          <a:srcRect l="4726" t="20069" r="6364" b="20697"/>
-          <a:stretch/>
-        </p:blipFill>
-        <p:spPr>
-          <a:xfrm>
-            <a:off x="8156914" y="5474456"/>
-            <a:ext cx="1348274" cy="479050"/>
-          </a:xfrm>
-          <a:prstGeom prst="rect">
-            <a:avLst/>
-          </a:prstGeom>
-          <a:noFill/>
-          <a:ln>
-            <a:noFill/>
-          </a:ln>
-        </p:spPr>
-      </p:pic>
       <p:sp>
         <p:nvSpPr>
           <p:cNvPr id="47" name="Text Placeholder 46">
@@ -2177,8 +2142,8 @@
         </p:nvSpPr>
         <p:spPr>
           <a:xfrm>
-            <a:off x="288244" y="3904999"/>
-            <a:ext cx="6108652" cy="529744"/>
+            <a:off x="307447" y="3904999"/>
+            <a:ext cx="6515619" cy="529744"/>
           </a:xfrm>
           <a:prstGeom prst="rect">
             <a:avLst/>
@@ -2223,7 +2188,7 @@
           <p:nvPr userDrawn="1"/>
         </p:nvPicPr>
         <p:blipFill>
-          <a:blip r:embed="rId5">
+          <a:blip r:embed="rId4">
             <a:alphaModFix/>
             <a:extLst>
               <a:ext uri="{28A0092B-C50C-407E-A947-70E740481C1C}">
@@ -2238,8 +2203,8 @@
         </p:blipFill>
         <p:spPr bwMode="auto">
           <a:xfrm>
-            <a:off x="3220323" y="5627405"/>
-            <a:ext cx="1530038" cy="816021"/>
+            <a:off x="3434866" y="5627406"/>
+            <a:ext cx="1631971" cy="816021"/>
           </a:xfrm>
           <a:prstGeom prst="rect">
             <a:avLst/>
@@ -2273,7 +2238,7 @@
           <p:nvPr userDrawn="1"/>
         </p:nvPicPr>
         <p:blipFill>
-          <a:blip r:embed="rId6">
+          <a:blip r:embed="rId5">
             <a:extLst>
               <a:ext uri="{28A0092B-C50C-407E-A947-70E740481C1C}">
                 <a14:useLocalDpi xmlns:a14="http://schemas.microsoft.com/office/drawing/2010/main" val="0"/>
@@ -2287,149 +2252,8 @@
         </p:blipFill>
         <p:spPr bwMode="auto">
           <a:xfrm>
-            <a:off x="5303361" y="5424419"/>
-            <a:ext cx="2045164" cy="1090755"/>
-          </a:xfrm>
-          <a:prstGeom prst="rect">
-            <a:avLst/>
-          </a:prstGeom>
-          <a:noFill/>
-          <a:extLst>
-            <a:ext uri="{909E8E84-426E-40DD-AFC4-6F175D3DCCD1}">
-              <a14:hiddenFill xmlns:a14="http://schemas.microsoft.com/office/drawing/2010/main">
-                <a:solidFill>
-                  <a:srgbClr val="FFFFFF"/>
-                </a:solidFill>
-              </a14:hiddenFill>
-            </a:ext>
-          </a:extLst>
-        </p:spPr>
-      </p:pic>
-      <p:pic>
-        <p:nvPicPr>
-          <p:cNvPr id="1030" name="Picture 6" descr="Key2">
-            <a:extLst>
-              <a:ext uri="{FF2B5EF4-FFF2-40B4-BE49-F238E27FC236}">
-                <a16:creationId xmlns:a16="http://schemas.microsoft.com/office/drawing/2014/main" id="{E1B8FDDA-A0D8-C674-9684-0C6B9583C7D8}"/>
-              </a:ext>
-            </a:extLst>
-          </p:cNvPr>
-          <p:cNvPicPr>
-            <a:picLocks noChangeAspect="1" noChangeArrowheads="1"/>
-          </p:cNvPicPr>
-          <p:nvPr userDrawn="1"/>
-        </p:nvPicPr>
-        <p:blipFill>
-          <a:blip r:embed="rId7">
-            <a:extLst>
-              <a:ext uri="{28A0092B-C50C-407E-A947-70E740481C1C}">
-                <a14:useLocalDpi xmlns:a14="http://schemas.microsoft.com/office/drawing/2010/main" val="0"/>
-              </a:ext>
-            </a:extLst>
-          </a:blip>
-          <a:srcRect/>
-          <a:stretch>
-            <a:fillRect/>
-          </a:stretch>
-        </p:blipFill>
-        <p:spPr bwMode="auto">
-          <a:xfrm>
-            <a:off x="10038773" y="5392546"/>
-            <a:ext cx="1205379" cy="642869"/>
-          </a:xfrm>
-          <a:prstGeom prst="rect">
-            <a:avLst/>
-          </a:prstGeom>
-          <a:noFill/>
-          <a:extLst>
-            <a:ext uri="{909E8E84-426E-40DD-AFC4-6F175D3DCCD1}">
-              <a14:hiddenFill xmlns:a14="http://schemas.microsoft.com/office/drawing/2010/main">
-                <a:solidFill>
-                  <a:srgbClr val="FFFFFF"/>
-                </a:solidFill>
-              </a14:hiddenFill>
-            </a:ext>
-          </a:extLst>
-        </p:spPr>
-      </p:pic>
-      <p:pic>
-        <p:nvPicPr>
-          <p:cNvPr id="1032" name="Picture 8" descr="Lobra Futura">
-            <a:extLst>
-              <a:ext uri="{FF2B5EF4-FFF2-40B4-BE49-F238E27FC236}">
-                <a16:creationId xmlns:a16="http://schemas.microsoft.com/office/drawing/2014/main" id="{616EA2D4-4735-679D-FB89-2EAE7BB596E4}"/>
-              </a:ext>
-            </a:extLst>
-          </p:cNvPr>
-          <p:cNvPicPr>
-            <a:picLocks noChangeAspect="1" noChangeArrowheads="1"/>
-          </p:cNvPicPr>
-          <p:nvPr userDrawn="1"/>
-        </p:nvPicPr>
-        <p:blipFill>
-          <a:blip r:embed="rId8">
-            <a:extLst>
-              <a:ext uri="{28A0092B-C50C-407E-A947-70E740481C1C}">
-                <a14:useLocalDpi xmlns:a14="http://schemas.microsoft.com/office/drawing/2010/main" val="0"/>
-              </a:ext>
-            </a:extLst>
-          </a:blip>
-          <a:srcRect/>
-          <a:stretch>
-            <a:fillRect/>
-          </a:stretch>
-        </p:blipFill>
-        <p:spPr bwMode="auto">
-          <a:xfrm>
-            <a:off x="8322448" y="5926219"/>
-            <a:ext cx="1205379" cy="642869"/>
-          </a:xfrm>
-          <a:prstGeom prst="rect">
-            <a:avLst/>
-          </a:prstGeom>
-          <a:noFill/>
-          <a:extLst>
-            <a:ext uri="{909E8E84-426E-40DD-AFC4-6F175D3DCCD1}">
-              <a14:hiddenFill xmlns:a14="http://schemas.microsoft.com/office/drawing/2010/main">
-                <a:solidFill>
-                  <a:srgbClr val="FFFFFF"/>
-                </a:solidFill>
-              </a14:hiddenFill>
-            </a:ext>
-          </a:extLst>
-        </p:spPr>
-      </p:pic>
-      <p:pic>
-        <p:nvPicPr>
-          <p:cNvPr id="1034" name="Picture 10" descr="Apvee">
-            <a:extLst>
-              <a:ext uri="{FF2B5EF4-FFF2-40B4-BE49-F238E27FC236}">
-                <a16:creationId xmlns:a16="http://schemas.microsoft.com/office/drawing/2014/main" id="{212C424F-5CD0-5438-8F7F-E20FE67E637A}"/>
-              </a:ext>
-            </a:extLst>
-          </p:cNvPr>
-          <p:cNvPicPr>
-            <a:picLocks noChangeAspect="1" noChangeArrowheads="1"/>
-          </p:cNvPicPr>
-          <p:nvPr userDrawn="1"/>
-        </p:nvPicPr>
-        <p:blipFill>
-          <a:blip r:embed="rId9">
-            <a:extLst>
-              <a:ext uri="{28A0092B-C50C-407E-A947-70E740481C1C}">
-                <a14:useLocalDpi xmlns:a14="http://schemas.microsoft.com/office/drawing/2010/main" val="0"/>
-              </a:ext>
-            </a:extLst>
-          </a:blip>
-          <a:srcRect/>
-          <a:stretch>
-            <a:fillRect/>
-          </a:stretch>
-        </p:blipFill>
-        <p:spPr bwMode="auto">
-          <a:xfrm>
-            <a:off x="9876281" y="5848290"/>
-            <a:ext cx="1497616" cy="798729"/>
+            <a:off x="5656679" y="5424420"/>
+            <a:ext cx="2181416" cy="1090755"/>
           </a:xfrm>
           <a:prstGeom prst="rect">
             <a:avLst/>
@@ -2461,7 +2285,7 @@
           <p:nvPr userDrawn="1"/>
         </p:nvPicPr>
         <p:blipFill>
-          <a:blip r:embed="rId10">
+          <a:blip r:embed="rId6">
             <a:extLst>
               <a:ext uri="{28A0092B-C50C-407E-A947-70E740481C1C}">
                 <a14:useLocalDpi xmlns:a14="http://schemas.microsoft.com/office/drawing/2010/main" val="0"/>
@@ -2475,8 +2299,8 @@
         </p:blipFill>
         <p:spPr bwMode="auto">
           <a:xfrm>
-            <a:off x="8082216" y="1233443"/>
-            <a:ext cx="2646533" cy="3665819"/>
+            <a:off x="8620666" y="1233444"/>
+            <a:ext cx="2822849" cy="3665819"/>
           </a:xfrm>
           <a:prstGeom prst="rect">
             <a:avLst/>
@@ -2493,10 +2317,254 @@
           </a:extLst>
         </p:spPr>
       </p:pic>
+      <p:grpSp>
+        <p:nvGrpSpPr>
+          <p:cNvPr id="2" name="Group 1">
+            <a:extLst>
+              <a:ext uri="{FF2B5EF4-FFF2-40B4-BE49-F238E27FC236}">
+                <a16:creationId xmlns:a16="http://schemas.microsoft.com/office/drawing/2014/main" id="{9D467DD8-E525-A7FB-B828-21D5A962F7C4}"/>
+              </a:ext>
+            </a:extLst>
+          </p:cNvPr>
+          <p:cNvGrpSpPr/>
+          <p:nvPr userDrawn="1"/>
+        </p:nvGrpSpPr>
+        <p:grpSpPr>
+          <a:xfrm>
+            <a:off x="8027288" y="5306256"/>
+            <a:ext cx="4009603" cy="1377367"/>
+            <a:chOff x="7582856" y="5489836"/>
+            <a:chExt cx="4009603" cy="1377367"/>
+          </a:xfrm>
+        </p:grpSpPr>
+        <p:pic>
+          <p:nvPicPr>
+            <p:cNvPr id="3" name="Google Shape;239;p1" descr="Logo BC Soft">
+              <a:extLst>
+                <a:ext uri="{FF2B5EF4-FFF2-40B4-BE49-F238E27FC236}">
+                  <a16:creationId xmlns:a16="http://schemas.microsoft.com/office/drawing/2014/main" id="{36999E05-F190-AB37-DE6B-C0CC60F53DFD}"/>
+                </a:ext>
+              </a:extLst>
+            </p:cNvPr>
+            <p:cNvPicPr preferRelativeResize="0">
+              <a:picLocks noChangeAspect="1"/>
+            </p:cNvPicPr>
+            <p:nvPr userDrawn="1"/>
+          </p:nvPicPr>
+          <p:blipFill rotWithShape="1">
+            <a:blip r:embed="rId7">
+              <a:alphaModFix/>
+            </a:blip>
+            <a:srcRect l="4726" t="20069" r="6364" b="20697"/>
+            <a:stretch/>
+          </p:blipFill>
+          <p:spPr>
+            <a:xfrm>
+              <a:off x="7582856" y="5597136"/>
+              <a:ext cx="1348274" cy="479050"/>
+            </a:xfrm>
+            <a:prstGeom prst="rect">
+              <a:avLst/>
+            </a:prstGeom>
+            <a:noFill/>
+            <a:ln>
+              <a:noFill/>
+            </a:ln>
+          </p:spPr>
+        </p:pic>
+        <p:pic>
+          <p:nvPicPr>
+            <p:cNvPr id="4" name="Picture 6" descr="Key2">
+              <a:extLst>
+                <a:ext uri="{FF2B5EF4-FFF2-40B4-BE49-F238E27FC236}">
+                  <a16:creationId xmlns:a16="http://schemas.microsoft.com/office/drawing/2014/main" id="{91E72102-4230-3DAD-73F0-355C08EADCDB}"/>
+                </a:ext>
+              </a:extLst>
+            </p:cNvPr>
+            <p:cNvPicPr>
+              <a:picLocks noChangeAspect="1" noChangeArrowheads="1"/>
+            </p:cNvPicPr>
+            <p:nvPr userDrawn="1"/>
+          </p:nvPicPr>
+          <p:blipFill>
+            <a:blip r:embed="rId8">
+              <a:extLst>
+                <a:ext uri="{28A0092B-C50C-407E-A947-70E740481C1C}">
+                  <a14:useLocalDpi xmlns:a14="http://schemas.microsoft.com/office/drawing/2010/main" val="0"/>
+                </a:ext>
+              </a:extLst>
+            </a:blip>
+            <a:srcRect/>
+            <a:stretch>
+              <a:fillRect/>
+            </a:stretch>
+          </p:blipFill>
+          <p:spPr bwMode="auto">
+            <a:xfrm>
+              <a:off x="9074287" y="5537565"/>
+              <a:ext cx="1205379" cy="642869"/>
+            </a:xfrm>
+            <a:prstGeom prst="rect">
+              <a:avLst/>
+            </a:prstGeom>
+            <a:noFill/>
+            <a:extLst>
+              <a:ext uri="{909E8E84-426E-40DD-AFC4-6F175D3DCCD1}">
+                <a14:hiddenFill xmlns:a14="http://schemas.microsoft.com/office/drawing/2010/main">
+                  <a:solidFill>
+                    <a:srgbClr val="FFFFFF"/>
+                  </a:solidFill>
+                </a14:hiddenFill>
+              </a:ext>
+            </a:extLst>
+          </p:spPr>
+        </p:pic>
+        <p:pic>
+          <p:nvPicPr>
+            <p:cNvPr id="5" name="Picture 8" descr="Lobra Futura">
+              <a:extLst>
+                <a:ext uri="{FF2B5EF4-FFF2-40B4-BE49-F238E27FC236}">
+                  <a16:creationId xmlns:a16="http://schemas.microsoft.com/office/drawing/2014/main" id="{805275F9-4BFF-1E83-3B7B-1E675765383D}"/>
+                </a:ext>
+              </a:extLst>
+            </p:cNvPr>
+            <p:cNvPicPr>
+              <a:picLocks noChangeAspect="1" noChangeArrowheads="1"/>
+            </p:cNvPicPr>
+            <p:nvPr userDrawn="1"/>
+          </p:nvPicPr>
+          <p:blipFill>
+            <a:blip r:embed="rId9">
+              <a:extLst>
+                <a:ext uri="{28A0092B-C50C-407E-A947-70E740481C1C}">
+                  <a14:useLocalDpi xmlns:a14="http://schemas.microsoft.com/office/drawing/2010/main" val="0"/>
+                </a:ext>
+              </a:extLst>
+            </a:blip>
+            <a:srcRect/>
+            <a:stretch>
+              <a:fillRect/>
+            </a:stretch>
+          </p:blipFill>
+          <p:spPr bwMode="auto">
+            <a:xfrm>
+              <a:off x="10387080" y="5489836"/>
+              <a:ext cx="1205379" cy="642869"/>
+            </a:xfrm>
+            <a:prstGeom prst="rect">
+              <a:avLst/>
+            </a:prstGeom>
+            <a:noFill/>
+            <a:extLst>
+              <a:ext uri="{909E8E84-426E-40DD-AFC4-6F175D3DCCD1}">
+                <a14:hiddenFill xmlns:a14="http://schemas.microsoft.com/office/drawing/2010/main">
+                  <a:solidFill>
+                    <a:srgbClr val="FFFFFF"/>
+                  </a:solidFill>
+                </a14:hiddenFill>
+              </a:ext>
+            </a:extLst>
+          </p:spPr>
+        </p:pic>
+        <p:pic>
+          <p:nvPicPr>
+            <p:cNvPr id="6" name="Picture 10" descr="Apvee">
+              <a:extLst>
+                <a:ext uri="{FF2B5EF4-FFF2-40B4-BE49-F238E27FC236}">
+                  <a16:creationId xmlns:a16="http://schemas.microsoft.com/office/drawing/2014/main" id="{A891DF8D-73A5-604B-7DDB-13D8F85247A9}"/>
+                </a:ext>
+              </a:extLst>
+            </p:cNvPr>
+            <p:cNvPicPr>
+              <a:picLocks noChangeAspect="1" noChangeArrowheads="1"/>
+            </p:cNvPicPr>
+            <p:nvPr userDrawn="1"/>
+          </p:nvPicPr>
+          <p:blipFill>
+            <a:blip r:embed="rId10">
+              <a:extLst>
+                <a:ext uri="{28A0092B-C50C-407E-A947-70E740481C1C}">
+                  <a14:useLocalDpi xmlns:a14="http://schemas.microsoft.com/office/drawing/2010/main" val="0"/>
+                </a:ext>
+              </a:extLst>
+            </a:blip>
+            <a:srcRect/>
+            <a:stretch>
+              <a:fillRect/>
+            </a:stretch>
+          </p:blipFill>
+          <p:spPr bwMode="auto">
+            <a:xfrm>
+              <a:off x="8143618" y="6068474"/>
+              <a:ext cx="1497616" cy="798729"/>
+            </a:xfrm>
+            <a:prstGeom prst="rect">
+              <a:avLst/>
+            </a:prstGeom>
+            <a:noFill/>
+            <a:extLst>
+              <a:ext uri="{909E8E84-426E-40DD-AFC4-6F175D3DCCD1}">
+                <a14:hiddenFill xmlns:a14="http://schemas.microsoft.com/office/drawing/2010/main">
+                  <a:solidFill>
+                    <a:srgbClr val="FFFFFF"/>
+                  </a:solidFill>
+                </a14:hiddenFill>
+              </a:ext>
+            </a:extLst>
+          </p:spPr>
+        </p:pic>
+        <p:pic>
+          <p:nvPicPr>
+            <p:cNvPr id="13" name="Picture 2">
+              <a:extLst>
+                <a:ext uri="{FF2B5EF4-FFF2-40B4-BE49-F238E27FC236}">
+                  <a16:creationId xmlns:a16="http://schemas.microsoft.com/office/drawing/2014/main" id="{DD3D801E-E66A-3C92-D9F6-AD34F1262075}"/>
+                </a:ext>
+              </a:extLst>
+            </p:cNvPr>
+            <p:cNvPicPr>
+              <a:picLocks noChangeAspect="1" noChangeArrowheads="1"/>
+            </p:cNvPicPr>
+            <p:nvPr userDrawn="1"/>
+          </p:nvPicPr>
+          <p:blipFill>
+            <a:blip r:embed="rId11">
+              <a:extLst>
+                <a:ext uri="{28A0092B-C50C-407E-A947-70E740481C1C}">
+                  <a14:useLocalDpi xmlns:a14="http://schemas.microsoft.com/office/drawing/2010/main" val="0"/>
+                </a:ext>
+              </a:extLst>
+            </a:blip>
+            <a:srcRect/>
+            <a:stretch>
+              <a:fillRect/>
+            </a:stretch>
+          </p:blipFill>
+          <p:spPr bwMode="auto">
+            <a:xfrm>
+              <a:off x="9976190" y="6291173"/>
+              <a:ext cx="1053391" cy="400676"/>
+            </a:xfrm>
+            <a:prstGeom prst="rect">
+              <a:avLst/>
+            </a:prstGeom>
+            <a:noFill/>
+            <a:extLst>
+              <a:ext uri="{909E8E84-426E-40DD-AFC4-6F175D3DCCD1}">
+                <a14:hiddenFill xmlns:a14="http://schemas.microsoft.com/office/drawing/2010/main">
+                  <a:solidFill>
+                    <a:srgbClr val="FFFFFF"/>
+                  </a:solidFill>
+                </a14:hiddenFill>
+              </a:ext>
+            </a:extLst>
+          </p:spPr>
+        </p:pic>
+      </p:grpSp>
     </p:spTree>
     <p:extLst>
       <p:ext uri="{BB962C8B-B14F-4D97-AF65-F5344CB8AC3E}">
-        <p14:creationId xmlns:p14="http://schemas.microsoft.com/office/powerpoint/2010/main" val="1024046150"/>
+        <p14:creationId xmlns:p14="http://schemas.microsoft.com/office/powerpoint/2010/main" val="3923119071"/>
       </p:ext>
     </p:extLst>
   </p:cSld>
@@ -2546,8 +2614,8 @@
         </p:blipFill>
         <p:spPr>
           <a:xfrm>
-            <a:off x="4259331" y="1576229"/>
-            <a:ext cx="3181213" cy="825571"/>
+            <a:off x="4543095" y="1576230"/>
+            <a:ext cx="3393150" cy="825571"/>
           </a:xfrm>
           <a:prstGeom prst="rect">
             <a:avLst/>
@@ -2568,29 +2636,27 @@
       </p:pic>
       <p:pic>
         <p:nvPicPr>
-          <p:cNvPr id="8" name="Google Shape;239;p1" descr="Logo BC Soft">
+          <p:cNvPr id="16" name="Google Shape;233;p1" descr="Logo Community DotNetCode">
             <a:extLst>
               <a:ext uri="{FF2B5EF4-FFF2-40B4-BE49-F238E27FC236}">
-                <a16:creationId xmlns:a16="http://schemas.microsoft.com/office/drawing/2014/main" id="{C5864EFD-AC34-106D-0C94-D512C88C2491}"/>
+                <a16:creationId xmlns:a16="http://schemas.microsoft.com/office/drawing/2014/main" id="{D9DDFB63-2BFB-8379-092B-30C0195BAA62}"/>
               </a:ext>
             </a:extLst>
           </p:cNvPr>
-          <p:cNvPicPr preferRelativeResize="0">
-            <a:picLocks noChangeAspect="1"/>
-          </p:cNvPicPr>
+          <p:cNvPicPr preferRelativeResize="0"/>
           <p:nvPr userDrawn="1"/>
         </p:nvPicPr>
         <p:blipFill rotWithShape="1">
           <a:blip r:embed="rId3">
             <a:alphaModFix/>
           </a:blip>
-          <a:srcRect l="4726" t="20069" r="6364" b="20697"/>
+          <a:srcRect/>
           <a:stretch/>
         </p:blipFill>
         <p:spPr>
           <a:xfrm>
-            <a:off x="1229517" y="5151375"/>
-            <a:ext cx="1761454" cy="625855"/>
+            <a:off x="11784526" y="6412833"/>
+            <a:ext cx="476425" cy="476445"/>
           </a:xfrm>
           <a:prstGeom prst="rect">
             <a:avLst/>
@@ -2601,39 +2667,6 @@
           </a:ln>
         </p:spPr>
       </p:pic>
-      <p:pic>
-        <p:nvPicPr>
-          <p:cNvPr id="16" name="Google Shape;233;p1" descr="Logo Community DotNetCode">
-            <a:extLst>
-              <a:ext uri="{FF2B5EF4-FFF2-40B4-BE49-F238E27FC236}">
-                <a16:creationId xmlns:a16="http://schemas.microsoft.com/office/drawing/2014/main" id="{D9DDFB63-2BFB-8379-092B-30C0195BAA62}"/>
-              </a:ext>
-            </a:extLst>
-          </p:cNvPr>
-          <p:cNvPicPr preferRelativeResize="0"/>
-          <p:nvPr userDrawn="1"/>
-        </p:nvPicPr>
-        <p:blipFill rotWithShape="1">
-          <a:blip r:embed="rId4">
-            <a:alphaModFix/>
-          </a:blip>
-          <a:srcRect/>
-          <a:stretch/>
-        </p:blipFill>
-        <p:spPr>
-          <a:xfrm>
-            <a:off x="11048461" y="6412832"/>
-            <a:ext cx="446667" cy="476445"/>
-          </a:xfrm>
-          <a:prstGeom prst="rect">
-            <a:avLst/>
-          </a:prstGeom>
-          <a:noFill/>
-          <a:ln>
-            <a:noFill/>
-          </a:ln>
-        </p:spPr>
-      </p:pic>
       <p:sp>
         <p:nvSpPr>
           <p:cNvPr id="20" name="TextBox 19">
@@ -2648,8 +2681,8 @@
         </p:nvSpPr>
         <p:spPr>
           <a:xfrm>
-            <a:off x="0" y="296397"/>
-            <a:ext cx="11699875" cy="739305"/>
+            <a:off x="1" y="296398"/>
+            <a:ext cx="12479338" cy="739305"/>
           </a:xfrm>
           <a:prstGeom prst="rect">
             <a:avLst/>
@@ -2687,7 +2720,7 @@
           <p:nvPr userDrawn="1"/>
         </p:nvPicPr>
         <p:blipFill>
-          <a:blip r:embed="rId5">
+          <a:blip r:embed="rId4">
             <a:alphaModFix/>
             <a:extLst>
               <a:ext uri="{28A0092B-C50C-407E-A947-70E740481C1C}">
@@ -2702,8 +2735,8 @@
         </p:blipFill>
         <p:spPr bwMode="auto">
           <a:xfrm>
-            <a:off x="2677866" y="3037781"/>
-            <a:ext cx="2361105" cy="1259257"/>
+            <a:off x="2856270" y="3037782"/>
+            <a:ext cx="2518405" cy="1259257"/>
           </a:xfrm>
           <a:prstGeom prst="rect">
             <a:avLst/>
@@ -2737,7 +2770,7 @@
           <p:nvPr userDrawn="1"/>
         </p:nvPicPr>
         <p:blipFill>
-          <a:blip r:embed="rId6">
+          <a:blip r:embed="rId5">
             <a:extLst>
               <a:ext uri="{28A0092B-C50C-407E-A947-70E740481C1C}">
                 <a14:useLocalDpi xmlns:a14="http://schemas.microsoft.com/office/drawing/2010/main" val="0"/>
@@ -2751,8 +2784,8 @@
         </p:blipFill>
         <p:spPr bwMode="auto">
           <a:xfrm>
-            <a:off x="6527655" y="2722888"/>
-            <a:ext cx="2951531" cy="1574150"/>
+            <a:off x="6962538" y="2722888"/>
+            <a:ext cx="3148166" cy="1574150"/>
           </a:xfrm>
           <a:prstGeom prst="rect">
             <a:avLst/>
@@ -2769,151 +2802,254 @@
           </a:extLst>
         </p:spPr>
       </p:pic>
-      <p:pic>
-        <p:nvPicPr>
-          <p:cNvPr id="5" name="Picture 6" descr="Key2">
+      <p:grpSp>
+        <p:nvGrpSpPr>
+          <p:cNvPr id="2" name="Group 1">
             <a:extLst>
               <a:ext uri="{FF2B5EF4-FFF2-40B4-BE49-F238E27FC236}">
-                <a16:creationId xmlns:a16="http://schemas.microsoft.com/office/drawing/2014/main" id="{4E11E310-AFFC-7369-BA3F-88FAAA0E7F26}"/>
+                <a16:creationId xmlns:a16="http://schemas.microsoft.com/office/drawing/2014/main" id="{C6033BE4-4247-E911-2043-8DE1CD1359DA}"/>
               </a:ext>
             </a:extLst>
           </p:cNvPr>
-          <p:cNvPicPr>
-            <a:picLocks noChangeAspect="1" noChangeArrowheads="1"/>
-          </p:cNvPicPr>
+          <p:cNvGrpSpPr/>
           <p:nvPr userDrawn="1"/>
-        </p:nvPicPr>
-        <p:blipFill>
-          <a:blip r:embed="rId7">
+        </p:nvGrpSpPr>
+        <p:grpSpPr>
+          <a:xfrm>
+            <a:off x="994081" y="4989650"/>
+            <a:ext cx="9858199" cy="949301"/>
+            <a:chOff x="994081" y="4989650"/>
+            <a:chExt cx="9858199" cy="949301"/>
+          </a:xfrm>
+        </p:grpSpPr>
+        <p:pic>
+          <p:nvPicPr>
+            <p:cNvPr id="7" name="Google Shape;239;p1" descr="Logo BC Soft">
+              <a:extLst>
+                <a:ext uri="{FF2B5EF4-FFF2-40B4-BE49-F238E27FC236}">
+                  <a16:creationId xmlns:a16="http://schemas.microsoft.com/office/drawing/2014/main" id="{F1DAB499-AC4F-1323-B0F9-972C08426F88}"/>
+                </a:ext>
+              </a:extLst>
+            </p:cNvPr>
+            <p:cNvPicPr preferRelativeResize="0">
+              <a:picLocks noChangeAspect="1"/>
+            </p:cNvPicPr>
+            <p:nvPr userDrawn="1"/>
+          </p:nvPicPr>
+          <p:blipFill rotWithShape="1">
+            <a:blip r:embed="rId6">
+              <a:alphaModFix/>
+            </a:blip>
+            <a:srcRect l="4726" t="20069" r="6364" b="20697"/>
+            <a:stretch/>
+          </p:blipFill>
+          <p:spPr>
+            <a:xfrm>
+              <a:off x="994081" y="5151373"/>
+              <a:ext cx="1761454" cy="625855"/>
+            </a:xfrm>
+            <a:prstGeom prst="rect">
+              <a:avLst/>
+            </a:prstGeom>
+            <a:noFill/>
+            <a:ln>
+              <a:noFill/>
+            </a:ln>
+          </p:spPr>
+        </p:pic>
+        <p:pic>
+          <p:nvPicPr>
+            <p:cNvPr id="9" name="Picture 6" descr="Key2">
+              <a:extLst>
+                <a:ext uri="{FF2B5EF4-FFF2-40B4-BE49-F238E27FC236}">
+                  <a16:creationId xmlns:a16="http://schemas.microsoft.com/office/drawing/2014/main" id="{3853122F-82B8-0353-CEBC-A73EEFD89913}"/>
+                </a:ext>
+              </a:extLst>
+            </p:cNvPr>
+            <p:cNvPicPr>
+              <a:picLocks noChangeAspect="1" noChangeArrowheads="1"/>
+            </p:cNvPicPr>
+            <p:nvPr userDrawn="1"/>
+          </p:nvPicPr>
+          <p:blipFill>
+            <a:blip r:embed="rId7">
+              <a:extLst>
+                <a:ext uri="{28A0092B-C50C-407E-A947-70E740481C1C}">
+                  <a14:useLocalDpi xmlns:a14="http://schemas.microsoft.com/office/drawing/2010/main" val="0"/>
+                </a:ext>
+              </a:extLst>
+            </a:blip>
+            <a:srcRect/>
+            <a:stretch>
+              <a:fillRect/>
+            </a:stretch>
+          </p:blipFill>
+          <p:spPr bwMode="auto">
+            <a:xfrm>
+              <a:off x="3282132" y="5064936"/>
+              <a:ext cx="1497616" cy="798729"/>
+            </a:xfrm>
+            <a:prstGeom prst="rect">
+              <a:avLst/>
+            </a:prstGeom>
+            <a:noFill/>
             <a:extLst>
-              <a:ext uri="{28A0092B-C50C-407E-A947-70E740481C1C}">
-                <a14:useLocalDpi xmlns:a14="http://schemas.microsoft.com/office/drawing/2010/main" val="0"/>
+              <a:ext uri="{909E8E84-426E-40DD-AFC4-6F175D3DCCD1}">
+                <a14:hiddenFill xmlns:a14="http://schemas.microsoft.com/office/drawing/2010/main">
+                  <a:solidFill>
+                    <a:srgbClr val="FFFFFF"/>
+                  </a:solidFill>
+                </a14:hiddenFill>
               </a:ext>
             </a:extLst>
-          </a:blip>
-          <a:srcRect/>
-          <a:stretch>
-            <a:fillRect/>
-          </a:stretch>
-        </p:blipFill>
-        <p:spPr bwMode="auto">
-          <a:xfrm>
-            <a:off x="3858419" y="5030912"/>
-            <a:ext cx="1497616" cy="798729"/>
-          </a:xfrm>
-          <a:prstGeom prst="rect">
-            <a:avLst/>
-          </a:prstGeom>
-          <a:noFill/>
-          <a:extLst>
-            <a:ext uri="{909E8E84-426E-40DD-AFC4-6F175D3DCCD1}">
-              <a14:hiddenFill xmlns:a14="http://schemas.microsoft.com/office/drawing/2010/main">
-                <a:solidFill>
-                  <a:srgbClr val="FFFFFF"/>
-                </a:solidFill>
-              </a14:hiddenFill>
-            </a:ext>
-          </a:extLst>
-        </p:spPr>
-      </p:pic>
-      <p:pic>
-        <p:nvPicPr>
-          <p:cNvPr id="15" name="Picture 8" descr="Lobra Futura">
+          </p:spPr>
+        </p:pic>
+        <p:pic>
+          <p:nvPicPr>
+            <p:cNvPr id="10" name="Picture 8" descr="Lobra Futura">
+              <a:extLst>
+                <a:ext uri="{FF2B5EF4-FFF2-40B4-BE49-F238E27FC236}">
+                  <a16:creationId xmlns:a16="http://schemas.microsoft.com/office/drawing/2014/main" id="{1FDAF68C-48F6-4FCD-238D-BCBEF4A7CF76}"/>
+                </a:ext>
+              </a:extLst>
+            </p:cNvPr>
+            <p:cNvPicPr>
+              <a:picLocks noChangeAspect="1" noChangeArrowheads="1"/>
+            </p:cNvPicPr>
+            <p:nvPr userDrawn="1"/>
+          </p:nvPicPr>
+          <p:blipFill>
+            <a:blip r:embed="rId8">
+              <a:extLst>
+                <a:ext uri="{28A0092B-C50C-407E-A947-70E740481C1C}">
+                  <a14:useLocalDpi xmlns:a14="http://schemas.microsoft.com/office/drawing/2010/main" val="0"/>
+                </a:ext>
+              </a:extLst>
+            </a:blip>
+            <a:srcRect/>
+            <a:stretch>
+              <a:fillRect/>
+            </a:stretch>
+          </p:blipFill>
+          <p:spPr bwMode="auto">
+            <a:xfrm>
+              <a:off x="7612880" y="5074223"/>
+              <a:ext cx="1462787" cy="780154"/>
+            </a:xfrm>
+            <a:prstGeom prst="rect">
+              <a:avLst/>
+            </a:prstGeom>
+            <a:noFill/>
             <a:extLst>
-              <a:ext uri="{FF2B5EF4-FFF2-40B4-BE49-F238E27FC236}">
-                <a16:creationId xmlns:a16="http://schemas.microsoft.com/office/drawing/2014/main" id="{566E30DC-0052-D820-B13F-AA691B8DC5A5}"/>
+              <a:ext uri="{909E8E84-426E-40DD-AFC4-6F175D3DCCD1}">
+                <a14:hiddenFill xmlns:a14="http://schemas.microsoft.com/office/drawing/2010/main">
+                  <a:solidFill>
+                    <a:srgbClr val="FFFFFF"/>
+                  </a:solidFill>
+                </a14:hiddenFill>
               </a:ext>
             </a:extLst>
-          </p:cNvPr>
-          <p:cNvPicPr>
-            <a:picLocks noChangeAspect="1" noChangeArrowheads="1"/>
-          </p:cNvPicPr>
-          <p:nvPr userDrawn="1"/>
-        </p:nvPicPr>
-        <p:blipFill>
-          <a:blip r:embed="rId8">
+          </p:spPr>
+        </p:pic>
+        <p:pic>
+          <p:nvPicPr>
+            <p:cNvPr id="11" name="Picture 10" descr="Apvee">
+              <a:extLst>
+                <a:ext uri="{FF2B5EF4-FFF2-40B4-BE49-F238E27FC236}">
+                  <a16:creationId xmlns:a16="http://schemas.microsoft.com/office/drawing/2014/main" id="{2B5CA4E7-F61D-76F8-1784-EC4FF8DFC677}"/>
+                </a:ext>
+              </a:extLst>
+            </p:cNvPr>
+            <p:cNvPicPr>
+              <a:picLocks noChangeAspect="1" noChangeArrowheads="1"/>
+            </p:cNvPicPr>
+            <p:nvPr userDrawn="1"/>
+          </p:nvPicPr>
+          <p:blipFill>
+            <a:blip r:embed="rId9">
+              <a:extLst>
+                <a:ext uri="{28A0092B-C50C-407E-A947-70E740481C1C}">
+                  <a14:useLocalDpi xmlns:a14="http://schemas.microsoft.com/office/drawing/2010/main" val="0"/>
+                </a:ext>
+              </a:extLst>
+            </a:blip>
+            <a:srcRect/>
+            <a:stretch>
+              <a:fillRect/>
+            </a:stretch>
+          </p:blipFill>
+          <p:spPr bwMode="auto">
+            <a:xfrm>
+              <a:off x="5306345" y="4989650"/>
+              <a:ext cx="1779938" cy="949301"/>
+            </a:xfrm>
+            <a:prstGeom prst="rect">
+              <a:avLst/>
+            </a:prstGeom>
+            <a:noFill/>
             <a:extLst>
-              <a:ext uri="{28A0092B-C50C-407E-A947-70E740481C1C}">
-                <a14:useLocalDpi xmlns:a14="http://schemas.microsoft.com/office/drawing/2010/main" val="0"/>
+              <a:ext uri="{909E8E84-426E-40DD-AFC4-6F175D3DCCD1}">
+                <a14:hiddenFill xmlns:a14="http://schemas.microsoft.com/office/drawing/2010/main">
+                  <a:solidFill>
+                    <a:srgbClr val="FFFFFF"/>
+                  </a:solidFill>
+                </a14:hiddenFill>
               </a:ext>
             </a:extLst>
-          </a:blip>
-          <a:srcRect/>
-          <a:stretch>
-            <a:fillRect/>
-          </a:stretch>
-        </p:blipFill>
-        <p:spPr bwMode="auto">
-          <a:xfrm>
-            <a:off x="8870871" y="5074224"/>
-            <a:ext cx="1462787" cy="780154"/>
-          </a:xfrm>
-          <a:prstGeom prst="rect">
-            <a:avLst/>
-          </a:prstGeom>
-          <a:noFill/>
-          <a:extLst>
-            <a:ext uri="{909E8E84-426E-40DD-AFC4-6F175D3DCCD1}">
-              <a14:hiddenFill xmlns:a14="http://schemas.microsoft.com/office/drawing/2010/main">
-                <a:solidFill>
-                  <a:srgbClr val="FFFFFF"/>
-                </a:solidFill>
-              </a14:hiddenFill>
-            </a:ext>
-          </a:extLst>
-        </p:spPr>
-      </p:pic>
-      <p:pic>
-        <p:nvPicPr>
-          <p:cNvPr id="17" name="Picture 10" descr="Apvee">
+          </p:spPr>
+        </p:pic>
+        <p:pic>
+          <p:nvPicPr>
+            <p:cNvPr id="12" name="Picture 2">
+              <a:extLst>
+                <a:ext uri="{FF2B5EF4-FFF2-40B4-BE49-F238E27FC236}">
+                  <a16:creationId xmlns:a16="http://schemas.microsoft.com/office/drawing/2014/main" id="{0EF57DD7-6AFB-5558-683D-859BF1E33C16}"/>
+                </a:ext>
+              </a:extLst>
+            </p:cNvPr>
+            <p:cNvPicPr>
+              <a:picLocks noChangeAspect="1" noChangeArrowheads="1"/>
+            </p:cNvPicPr>
+            <p:nvPr userDrawn="1"/>
+          </p:nvPicPr>
+          <p:blipFill>
+            <a:blip r:embed="rId10">
+              <a:extLst>
+                <a:ext uri="{28A0092B-C50C-407E-A947-70E740481C1C}">
+                  <a14:useLocalDpi xmlns:a14="http://schemas.microsoft.com/office/drawing/2010/main" val="0"/>
+                </a:ext>
+              </a:extLst>
+            </a:blip>
+            <a:srcRect/>
+            <a:stretch>
+              <a:fillRect/>
+            </a:stretch>
+          </p:blipFill>
+          <p:spPr bwMode="auto">
+            <a:xfrm>
+              <a:off x="9602263" y="5301763"/>
+              <a:ext cx="1250017" cy="475466"/>
+            </a:xfrm>
+            <a:prstGeom prst="rect">
+              <a:avLst/>
+            </a:prstGeom>
+            <a:noFill/>
             <a:extLst>
-              <a:ext uri="{FF2B5EF4-FFF2-40B4-BE49-F238E27FC236}">
-                <a16:creationId xmlns:a16="http://schemas.microsoft.com/office/drawing/2014/main" id="{C69DE6B2-0EAC-A291-43CE-E6DA9E136318}"/>
+              <a:ext uri="{909E8E84-426E-40DD-AFC4-6F175D3DCCD1}">
+                <a14:hiddenFill xmlns:a14="http://schemas.microsoft.com/office/drawing/2010/main">
+                  <a:solidFill>
+                    <a:srgbClr val="FFFFFF"/>
+                  </a:solidFill>
+                </a14:hiddenFill>
               </a:ext>
             </a:extLst>
-          </p:cNvPr>
-          <p:cNvPicPr>
-            <a:picLocks noChangeAspect="1" noChangeArrowheads="1"/>
-          </p:cNvPicPr>
-          <p:nvPr userDrawn="1"/>
-        </p:nvPicPr>
-        <p:blipFill>
-          <a:blip r:embed="rId9">
-            <a:extLst>
-              <a:ext uri="{28A0092B-C50C-407E-A947-70E740481C1C}">
-                <a14:useLocalDpi xmlns:a14="http://schemas.microsoft.com/office/drawing/2010/main" val="0"/>
-              </a:ext>
-            </a:extLst>
-          </a:blip>
-          <a:srcRect/>
-          <a:stretch>
-            <a:fillRect/>
-          </a:stretch>
-        </p:blipFill>
-        <p:spPr bwMode="auto">
-          <a:xfrm>
-            <a:off x="6223483" y="4989650"/>
-            <a:ext cx="1779938" cy="949301"/>
-          </a:xfrm>
-          <a:prstGeom prst="rect">
-            <a:avLst/>
-          </a:prstGeom>
-          <a:noFill/>
-          <a:extLst>
-            <a:ext uri="{909E8E84-426E-40DD-AFC4-6F175D3DCCD1}">
-              <a14:hiddenFill xmlns:a14="http://schemas.microsoft.com/office/drawing/2010/main">
-                <a:solidFill>
-                  <a:srgbClr val="FFFFFF"/>
-                </a:solidFill>
-              </a14:hiddenFill>
-            </a:ext>
-          </a:extLst>
-        </p:spPr>
-      </p:pic>
+          </p:spPr>
+        </p:pic>
+      </p:grpSp>
     </p:spTree>
     <p:extLst>
       <p:ext uri="{BB962C8B-B14F-4D97-AF65-F5344CB8AC3E}">
-        <p14:creationId xmlns:p14="http://schemas.microsoft.com/office/powerpoint/2010/main" val="1929758685"/>
+        <p14:creationId xmlns:p14="http://schemas.microsoft.com/office/powerpoint/2010/main" val="3034518565"/>
       </p:ext>
     </p:extLst>
   </p:cSld>
@@ -2928,7 +3064,7 @@
             <a:srgbClr val="FBAE40"/>
           </p15:clr>
         </p15:guide>
-        <p15:guide id="2" pos="3685">
+        <p15:guide id="2" pos="3931">
           <p15:clr>
             <a:srgbClr val="FBAE40"/>
           </p15:clr>
@@ -2974,7 +3110,7 @@
         <p:spPr>
           <a:xfrm>
             <a:off x="1" y="15600"/>
-            <a:ext cx="11699876" cy="7019925"/>
+            <a:ext cx="12479339" cy="7019925"/>
           </a:xfrm>
           <a:prstGeom prst="rect">
             <a:avLst/>
@@ -3030,8 +3166,8 @@
         </p:nvSpPr>
         <p:spPr>
           <a:xfrm rot="10800000" flipH="1">
-            <a:off x="0" y="-490"/>
-            <a:ext cx="8537671" cy="7020415"/>
+            <a:off x="1" y="-490"/>
+            <a:ext cx="9106463" cy="7020415"/>
           </a:xfrm>
           <a:custGeom>
             <a:avLst/>
@@ -3124,8 +3260,8 @@
         </p:nvSpPr>
         <p:spPr>
           <a:xfrm rot="10800000" flipH="1">
-            <a:off x="1" y="-489"/>
-            <a:ext cx="7769447" cy="7020415"/>
+            <a:off x="2" y="-489"/>
+            <a:ext cx="8287059" cy="7020415"/>
           </a:xfrm>
           <a:custGeom>
             <a:avLst/>
@@ -3227,8 +3363,8 @@
         </p:blipFill>
         <p:spPr>
           <a:xfrm>
-            <a:off x="10644044" y="161438"/>
-            <a:ext cx="941268" cy="1004019"/>
+            <a:off x="11353166" y="161439"/>
+            <a:ext cx="1003977" cy="1004019"/>
           </a:xfrm>
           <a:prstGeom prst="rect">
             <a:avLst/>
@@ -3253,8 +3389,8 @@
         </p:nvSpPr>
         <p:spPr>
           <a:xfrm>
-            <a:off x="-2" y="3084409"/>
-            <a:ext cx="6071490" cy="798039"/>
+            <a:off x="-2" y="3084410"/>
+            <a:ext cx="6475982" cy="798039"/>
           </a:xfrm>
           <a:prstGeom prst="rect">
             <a:avLst/>
@@ -3308,8 +3444,8 @@
         </p:blipFill>
         <p:spPr bwMode="auto">
           <a:xfrm>
-            <a:off x="8177862" y="1817557"/>
-            <a:ext cx="2466182" cy="3416010"/>
+            <a:off x="8722683" y="1817557"/>
+            <a:ext cx="2630483" cy="3416010"/>
           </a:xfrm>
           <a:prstGeom prst="rect">
             <a:avLst/>
@@ -3344,8 +3480,8 @@
         </p:nvSpPr>
         <p:spPr>
           <a:xfrm>
-            <a:off x="880336" y="-2737380"/>
-            <a:ext cx="6889112" cy="503417"/>
+            <a:off x="938985" y="-2737380"/>
+            <a:ext cx="7348075" cy="503417"/>
           </a:xfrm>
           <a:prstGeom prst="rect">
             <a:avLst/>
@@ -3377,7 +3513,7 @@
     </p:spTree>
     <p:extLst>
       <p:ext uri="{BB962C8B-B14F-4D97-AF65-F5344CB8AC3E}">
-        <p14:creationId xmlns:p14="http://schemas.microsoft.com/office/powerpoint/2010/main" val="3944229199"/>
+        <p14:creationId xmlns:p14="http://schemas.microsoft.com/office/powerpoint/2010/main" val="2182487261"/>
       </p:ext>
     </p:extLst>
   </p:cSld>
@@ -3422,7 +3558,7 @@
         <p:spPr>
           <a:xfrm>
             <a:off x="1" y="15600"/>
-            <a:ext cx="11699876" cy="7019925"/>
+            <a:ext cx="12479339" cy="7019925"/>
           </a:xfrm>
           <a:prstGeom prst="rect">
             <a:avLst/>
@@ -3478,8 +3614,8 @@
         </p:nvSpPr>
         <p:spPr>
           <a:xfrm rot="10800000" flipH="1">
-            <a:off x="0" y="-490"/>
-            <a:ext cx="8537671" cy="7020415"/>
+            <a:off x="1" y="-490"/>
+            <a:ext cx="9106463" cy="7020415"/>
           </a:xfrm>
           <a:custGeom>
             <a:avLst/>
@@ -3572,8 +3708,8 @@
         </p:nvSpPr>
         <p:spPr>
           <a:xfrm rot="10800000" flipH="1">
-            <a:off x="1" y="-489"/>
-            <a:ext cx="7769447" cy="7020415"/>
+            <a:off x="2" y="-489"/>
+            <a:ext cx="8287059" cy="7020415"/>
           </a:xfrm>
           <a:custGeom>
             <a:avLst/>
@@ -3675,8 +3811,8 @@
         </p:blipFill>
         <p:spPr>
           <a:xfrm>
-            <a:off x="10644044" y="161438"/>
-            <a:ext cx="941268" cy="1004019"/>
+            <a:off x="11353166" y="161439"/>
+            <a:ext cx="1003977" cy="1004019"/>
           </a:xfrm>
           <a:prstGeom prst="rect">
             <a:avLst/>
@@ -3701,8 +3837,8 @@
         </p:nvSpPr>
         <p:spPr>
           <a:xfrm>
-            <a:off x="-2" y="3084409"/>
-            <a:ext cx="6071490" cy="798039"/>
+            <a:off x="-2" y="3084410"/>
+            <a:ext cx="6475982" cy="798039"/>
           </a:xfrm>
           <a:prstGeom prst="rect">
             <a:avLst/>
@@ -3756,8 +3892,8 @@
         </p:blipFill>
         <p:spPr bwMode="auto">
           <a:xfrm>
-            <a:off x="8177862" y="1817557"/>
-            <a:ext cx="2466182" cy="3416010"/>
+            <a:off x="8722683" y="1817557"/>
+            <a:ext cx="2630483" cy="3416010"/>
           </a:xfrm>
           <a:prstGeom prst="rect">
             <a:avLst/>
@@ -3792,8 +3928,8 @@
         </p:nvSpPr>
         <p:spPr>
           <a:xfrm>
-            <a:off x="591646" y="-2762793"/>
-            <a:ext cx="6889112" cy="1656120"/>
+            <a:off x="631062" y="-2762793"/>
+            <a:ext cx="7348075" cy="1656120"/>
           </a:xfrm>
           <a:prstGeom prst="rect">
             <a:avLst/>
@@ -3825,7 +3961,7 @@
     </p:spTree>
     <p:extLst>
       <p:ext uri="{BB962C8B-B14F-4D97-AF65-F5344CB8AC3E}">
-        <p14:creationId xmlns:p14="http://schemas.microsoft.com/office/powerpoint/2010/main" val="1528016175"/>
+        <p14:creationId xmlns:p14="http://schemas.microsoft.com/office/powerpoint/2010/main" val="4012814067"/>
       </p:ext>
     </p:extLst>
   </p:cSld>
@@ -3870,7 +4006,7 @@
         <p:spPr>
           <a:xfrm>
             <a:off x="1" y="15600"/>
-            <a:ext cx="11699876" cy="7019925"/>
+            <a:ext cx="12479339" cy="7019925"/>
           </a:xfrm>
           <a:prstGeom prst="rect">
             <a:avLst/>
@@ -3926,8 +4062,8 @@
         </p:nvSpPr>
         <p:spPr>
           <a:xfrm rot="10800000" flipH="1">
-            <a:off x="0" y="-490"/>
-            <a:ext cx="8537671" cy="7020415"/>
+            <a:off x="1" y="-490"/>
+            <a:ext cx="9106463" cy="7020415"/>
           </a:xfrm>
           <a:custGeom>
             <a:avLst/>
@@ -4020,8 +4156,8 @@
         </p:nvSpPr>
         <p:spPr>
           <a:xfrm rot="10800000" flipH="1">
-            <a:off x="1" y="-489"/>
-            <a:ext cx="7769447" cy="7020415"/>
+            <a:off x="2" y="-489"/>
+            <a:ext cx="8287059" cy="7020415"/>
           </a:xfrm>
           <a:custGeom>
             <a:avLst/>
@@ -4123,8 +4259,8 @@
         </p:blipFill>
         <p:spPr>
           <a:xfrm>
-            <a:off x="10644044" y="161438"/>
-            <a:ext cx="941268" cy="1004019"/>
+            <a:off x="11353166" y="161439"/>
+            <a:ext cx="1003977" cy="1004019"/>
           </a:xfrm>
           <a:prstGeom prst="rect">
             <a:avLst/>
@@ -4164,8 +4300,8 @@
         </p:blipFill>
         <p:spPr bwMode="auto">
           <a:xfrm>
-            <a:off x="8177862" y="1817557"/>
-            <a:ext cx="2466182" cy="3416010"/>
+            <a:off x="8722683" y="1817557"/>
+            <a:ext cx="2630483" cy="3416010"/>
           </a:xfrm>
           <a:prstGeom prst="rect">
             <a:avLst/>
@@ -4200,8 +4336,8 @@
         </p:nvSpPr>
         <p:spPr>
           <a:xfrm>
-            <a:off x="1771363" y="2271332"/>
-            <a:ext cx="2497473" cy="2476773"/>
+            <a:off x="1889375" y="2271333"/>
+            <a:ext cx="2663858" cy="2476773"/>
           </a:xfrm>
           <a:prstGeom prst="rect">
             <a:avLst/>
@@ -4270,8 +4406,8 @@
         </p:nvSpPr>
         <p:spPr>
           <a:xfrm>
-            <a:off x="216532" y="161438"/>
-            <a:ext cx="10091142" cy="937549"/>
+            <a:off x="230958" y="161439"/>
+            <a:ext cx="10763429" cy="937549"/>
           </a:xfrm>
           <a:prstGeom prst="rect">
             <a:avLst/>
@@ -4301,7 +4437,7 @@
     </p:spTree>
     <p:extLst>
       <p:ext uri="{BB962C8B-B14F-4D97-AF65-F5344CB8AC3E}">
-        <p14:creationId xmlns:p14="http://schemas.microsoft.com/office/powerpoint/2010/main" val="822962518"/>
+        <p14:creationId xmlns:p14="http://schemas.microsoft.com/office/powerpoint/2010/main" val="888111955"/>
       </p:ext>
     </p:extLst>
   </p:cSld>
@@ -4368,8 +4504,8 @@
         </p:nvSpPr>
         <p:spPr>
           <a:xfrm>
-            <a:off x="299809" y="46150"/>
-            <a:ext cx="10018018" cy="1116038"/>
+            <a:off x="319783" y="46150"/>
+            <a:ext cx="10685433" cy="1116038"/>
           </a:xfrm>
           <a:prstGeom prst="rect">
             <a:avLst/>
@@ -4413,8 +4549,8 @@
         </p:nvSpPr>
         <p:spPr>
           <a:xfrm>
-            <a:off x="299809" y="1341586"/>
-            <a:ext cx="11107569" cy="4833024"/>
+            <a:off x="319783" y="1341586"/>
+            <a:ext cx="11847572" cy="4833024"/>
           </a:xfrm>
           <a:prstGeom prst="rect">
             <a:avLst/>
@@ -4478,8 +4614,8 @@
         </p:nvSpPr>
         <p:spPr>
           <a:xfrm>
-            <a:off x="0" y="1208987"/>
-            <a:ext cx="11699875" cy="5113821"/>
+            <a:off x="1" y="1208988"/>
+            <a:ext cx="12479338" cy="5113821"/>
           </a:xfrm>
           <a:prstGeom prst="rect">
             <a:avLst/>
@@ -4540,8 +4676,8 @@
         </p:blipFill>
         <p:spPr>
           <a:xfrm>
-            <a:off x="11048461" y="6412832"/>
-            <a:ext cx="446667" cy="476445"/>
+            <a:off x="11784526" y="6412833"/>
+            <a:ext cx="476425" cy="476445"/>
           </a:xfrm>
           <a:prstGeom prst="rect">
             <a:avLst/>
@@ -4581,8 +4717,8 @@
         </p:blipFill>
         <p:spPr bwMode="auto">
           <a:xfrm flipH="1">
-            <a:off x="10735866" y="139098"/>
-            <a:ext cx="671512" cy="930140"/>
+            <a:off x="11451105" y="139098"/>
+            <a:ext cx="716249" cy="930140"/>
           </a:xfrm>
           <a:prstGeom prst="rect">
             <a:avLst/>
@@ -4720,8 +4856,8 @@
           <a:lstStyle/>
           <a:p>
             <a:fld id="{C764DE79-268F-4C1A-8933-263129D2AF90}" type="datetimeFigureOut">
-              <a:rPr lang="en-US" dirty="0"/>
-              <a:t>9/9/2025</a:t>
+              <a:rPr lang="en-US" smtClean="0"/>
+              <a:t>9/24/2025</a:t>
             </a:fld>
             <a:endParaRPr lang="en-US" dirty="0"/>
           </a:p>
@@ -4762,7 +4898,7 @@
           <a:lstStyle/>
           <a:p>
             <a:fld id="{48F63A3B-78C7-47BE-AE5E-E10140E04643}" type="slidenum">
-              <a:rPr lang="en-US" dirty="0"/>
+              <a:rPr lang="en-US" smtClean="0"/>
               <a:t>‹#›</a:t>
             </a:fld>
             <a:endParaRPr lang="en-US" dirty="0"/>
@@ -4774,7 +4910,7 @@
           <p:cNvPr id="7" name="Rectangle 6">
             <a:extLst>
               <a:ext uri="{FF2B5EF4-FFF2-40B4-BE49-F238E27FC236}">
-                <a16:creationId xmlns:a16="http://schemas.microsoft.com/office/drawing/2014/main" id="{6D356F74-B186-0FA1-3F65-1BAE2CADAA57}"/>
+                <a16:creationId xmlns:a16="http://schemas.microsoft.com/office/drawing/2014/main" id="{19E87834-9A80-A907-459E-5167DC930CF4}"/>
               </a:ext>
               <a:ext uri="{C183D7F6-B498-43B3-948B-1728B52AA6E4}">
                 <adec:decorative xmlns:adec="http://schemas.microsoft.com/office/drawing/2017/decorative" val="1"/>
@@ -4786,8 +4922,8 @@
         </p:nvSpPr>
         <p:spPr>
           <a:xfrm>
-            <a:off x="0" y="1208987"/>
-            <a:ext cx="11699875" cy="5113821"/>
+            <a:off x="1" y="1208988"/>
+            <a:ext cx="12479338" cy="5113821"/>
           </a:xfrm>
           <a:prstGeom prst="rect">
             <a:avLst/>
@@ -4829,7 +4965,7 @@
           <p:cNvPr id="8" name="Google Shape;233;p1">
             <a:extLst>
               <a:ext uri="{FF2B5EF4-FFF2-40B4-BE49-F238E27FC236}">
-                <a16:creationId xmlns:a16="http://schemas.microsoft.com/office/drawing/2014/main" id="{0AEF5926-1045-8842-1EDB-84A069C3BD83}"/>
+                <a16:creationId xmlns:a16="http://schemas.microsoft.com/office/drawing/2014/main" id="{F99D8D2F-9E1D-95A4-C04E-F21B1A94AC2B}"/>
               </a:ext>
               <a:ext uri="{C183D7F6-B498-43B3-948B-1728B52AA6E4}">
                 <adec:decorative xmlns:adec="http://schemas.microsoft.com/office/drawing/2017/decorative" val="1"/>
@@ -4848,8 +4984,8 @@
         </p:blipFill>
         <p:spPr>
           <a:xfrm>
-            <a:off x="11048461" y="6412832"/>
-            <a:ext cx="446667" cy="476445"/>
+            <a:off x="11784526" y="6412833"/>
+            <a:ext cx="476425" cy="476445"/>
           </a:xfrm>
           <a:prstGeom prst="rect">
             <a:avLst/>
@@ -4865,7 +5001,7 @@
           <p:cNvPr id="9" name="Picture 12" descr="Power Agent Conference 2025">
             <a:extLst>
               <a:ext uri="{FF2B5EF4-FFF2-40B4-BE49-F238E27FC236}">
-                <a16:creationId xmlns:a16="http://schemas.microsoft.com/office/drawing/2014/main" id="{272256A1-AD1B-B627-ADE6-5AAD60DCE977}"/>
+                <a16:creationId xmlns:a16="http://schemas.microsoft.com/office/drawing/2014/main" id="{CEAE0045-7975-0001-519C-F6CC1F633052}"/>
               </a:ext>
             </a:extLst>
           </p:cNvPr>
@@ -4889,8 +5025,8 @@
         </p:blipFill>
         <p:spPr bwMode="auto">
           <a:xfrm flipH="1">
-            <a:off x="10735866" y="139098"/>
-            <a:ext cx="671512" cy="930140"/>
+            <a:off x="11451105" y="139098"/>
+            <a:ext cx="716249" cy="930140"/>
           </a:xfrm>
           <a:prstGeom prst="rect">
             <a:avLst/>
@@ -4910,7 +5046,7 @@
     </p:spTree>
     <p:extLst>
       <p:ext uri="{BB962C8B-B14F-4D97-AF65-F5344CB8AC3E}">
-        <p14:creationId xmlns:p14="http://schemas.microsoft.com/office/powerpoint/2010/main" val="1176372269"/>
+        <p14:creationId xmlns:p14="http://schemas.microsoft.com/office/powerpoint/2010/main" val="3528808434"/>
       </p:ext>
     </p:extLst>
   </p:cSld>
@@ -4949,15 +5085,15 @@
         </p:nvSpPr>
         <p:spPr>
           <a:xfrm>
-            <a:off x="798273" y="1750107"/>
-            <a:ext cx="10091142" cy="2920093"/>
+            <a:off x="851455" y="1750107"/>
+            <a:ext cx="10763429" cy="2920093"/>
           </a:xfrm>
         </p:spPr>
         <p:txBody>
           <a:bodyPr anchor="b"/>
           <a:lstStyle>
             <a:lvl1pPr>
-              <a:defRPr sz="5758"/>
+              <a:defRPr sz="6142"/>
             </a:lvl1pPr>
           </a:lstStyle>
           <a:p>
@@ -4981,8 +5117,8 @@
         </p:nvSpPr>
         <p:spPr>
           <a:xfrm>
-            <a:off x="798273" y="4697826"/>
-            <a:ext cx="10091142" cy="1535608"/>
+            <a:off x="851455" y="4697826"/>
+            <a:ext cx="10763429" cy="1535608"/>
           </a:xfrm>
         </p:spPr>
         <p:txBody>
@@ -4990,7 +5126,7 @@
           <a:lstStyle>
             <a:lvl1pPr marL="0" indent="0">
               <a:buNone/>
-              <a:defRPr sz="2303">
+              <a:defRPr sz="2457">
                 <a:solidFill>
                   <a:schemeClr val="tx1">
                     <a:tint val="82000"/>
@@ -4998,9 +5134,9 @@
                 </a:solidFill>
               </a:defRPr>
             </a:lvl1pPr>
-            <a:lvl2pPr marL="438729" indent="0">
+            <a:lvl2pPr marL="467990" indent="0">
               <a:buNone/>
-              <a:defRPr sz="1919">
+              <a:defRPr sz="2047">
                 <a:solidFill>
                   <a:schemeClr val="tx1">
                     <a:tint val="82000"/>
@@ -5008,9 +5144,9 @@
                 </a:solidFill>
               </a:defRPr>
             </a:lvl2pPr>
-            <a:lvl3pPr marL="877458" indent="0">
+            <a:lvl3pPr marL="935980" indent="0">
               <a:buNone/>
-              <a:defRPr sz="1727">
+              <a:defRPr sz="1842">
                 <a:solidFill>
                   <a:schemeClr val="tx1">
                     <a:tint val="82000"/>
@@ -5018,9 +5154,9 @@
                 </a:solidFill>
               </a:defRPr>
             </a:lvl3pPr>
-            <a:lvl4pPr marL="1316187" indent="0">
+            <a:lvl4pPr marL="1403970" indent="0">
               <a:buNone/>
-              <a:defRPr sz="1535">
+              <a:defRPr sz="1638">
                 <a:solidFill>
                   <a:schemeClr val="tx1">
                     <a:tint val="82000"/>
@@ -5028,9 +5164,9 @@
                 </a:solidFill>
               </a:defRPr>
             </a:lvl4pPr>
-            <a:lvl5pPr marL="1754916" indent="0">
+            <a:lvl5pPr marL="1871960" indent="0">
               <a:buNone/>
-              <a:defRPr sz="1535">
+              <a:defRPr sz="1638">
                 <a:solidFill>
                   <a:schemeClr val="tx1">
                     <a:tint val="82000"/>
@@ -5038,9 +5174,9 @@
                 </a:solidFill>
               </a:defRPr>
             </a:lvl5pPr>
-            <a:lvl6pPr marL="2193646" indent="0">
+            <a:lvl6pPr marL="2339950" indent="0">
               <a:buNone/>
-              <a:defRPr sz="1535">
+              <a:defRPr sz="1638">
                 <a:solidFill>
                   <a:schemeClr val="tx1">
                     <a:tint val="82000"/>
@@ -5048,9 +5184,9 @@
                 </a:solidFill>
               </a:defRPr>
             </a:lvl6pPr>
-            <a:lvl7pPr marL="2632375" indent="0">
+            <a:lvl7pPr marL="2807940" indent="0">
               <a:buNone/>
-              <a:defRPr sz="1535">
+              <a:defRPr sz="1638">
                 <a:solidFill>
                   <a:schemeClr val="tx1">
                     <a:tint val="82000"/>
@@ -5058,9 +5194,9 @@
                 </a:solidFill>
               </a:defRPr>
             </a:lvl7pPr>
-            <a:lvl8pPr marL="3071104" indent="0">
+            <a:lvl8pPr marL="3275929" indent="0">
               <a:buNone/>
-              <a:defRPr sz="1535">
+              <a:defRPr sz="1638">
                 <a:solidFill>
                   <a:schemeClr val="tx1">
                     <a:tint val="82000"/>
@@ -5068,9 +5204,9 @@
                 </a:solidFill>
               </a:defRPr>
             </a:lvl8pPr>
-            <a:lvl9pPr marL="3509833" indent="0">
+            <a:lvl9pPr marL="3743919" indent="0">
               <a:buNone/>
-              <a:defRPr sz="1535">
+              <a:defRPr sz="1638">
                 <a:solidFill>
                   <a:schemeClr val="tx1">
                     <a:tint val="82000"/>
@@ -5104,8 +5240,8 @@
           <a:lstStyle/>
           <a:p>
             <a:fld id="{C764DE79-268F-4C1A-8933-263129D2AF90}" type="datetimeFigureOut">
-              <a:rPr lang="en-US" dirty="0"/>
-              <a:t>9/9/2025</a:t>
+              <a:rPr lang="en-US" smtClean="0"/>
+              <a:t>9/24/2025</a:t>
             </a:fld>
             <a:endParaRPr lang="en-US" dirty="0"/>
           </a:p>
@@ -5146,7 +5282,7 @@
           <a:lstStyle/>
           <a:p>
             <a:fld id="{48F63A3B-78C7-47BE-AE5E-E10140E04643}" type="slidenum">
-              <a:rPr lang="en-US" dirty="0"/>
+              <a:rPr lang="en-US" smtClean="0"/>
               <a:t>‹#›</a:t>
             </a:fld>
             <a:endParaRPr lang="en-US" dirty="0"/>
@@ -5156,7 +5292,7 @@
     </p:spTree>
     <p:extLst>
       <p:ext uri="{BB962C8B-B14F-4D97-AF65-F5344CB8AC3E}">
-        <p14:creationId xmlns:p14="http://schemas.microsoft.com/office/powerpoint/2010/main" val="2515928104"/>
+        <p14:creationId xmlns:p14="http://schemas.microsoft.com/office/powerpoint/2010/main" val="3129635"/>
       </p:ext>
     </p:extLst>
   </p:cSld>
@@ -5218,8 +5354,8 @@
         </p:nvSpPr>
         <p:spPr>
           <a:xfrm>
-            <a:off x="804366" y="1868730"/>
-            <a:ext cx="4972447" cy="4454078"/>
+            <a:off x="857954" y="1868730"/>
+            <a:ext cx="5303719" cy="4454078"/>
           </a:xfrm>
         </p:spPr>
         <p:txBody>
@@ -5275,8 +5411,8 @@
         </p:nvSpPr>
         <p:spPr>
           <a:xfrm>
-            <a:off x="5923062" y="1868730"/>
-            <a:ext cx="4972447" cy="4454078"/>
+            <a:off x="6317665" y="1868730"/>
+            <a:ext cx="5303719" cy="4454078"/>
           </a:xfrm>
         </p:spPr>
         <p:txBody>
@@ -5336,8 +5472,8 @@
           <a:lstStyle/>
           <a:p>
             <a:fld id="{C764DE79-268F-4C1A-8933-263129D2AF90}" type="datetimeFigureOut">
-              <a:rPr lang="en-US" dirty="0"/>
-              <a:t>9/9/2025</a:t>
+              <a:rPr lang="en-US" smtClean="0"/>
+              <a:t>9/24/2025</a:t>
             </a:fld>
             <a:endParaRPr lang="en-US" dirty="0"/>
           </a:p>
@@ -5378,7 +5514,7 @@
           <a:lstStyle/>
           <a:p>
             <a:fld id="{48F63A3B-78C7-47BE-AE5E-E10140E04643}" type="slidenum">
-              <a:rPr lang="en-US" dirty="0"/>
+              <a:rPr lang="en-US" smtClean="0"/>
               <a:t>‹#›</a:t>
             </a:fld>
             <a:endParaRPr lang="en-US" dirty="0"/>
@@ -5388,7 +5524,7 @@
     </p:spTree>
     <p:extLst>
       <p:ext uri="{BB962C8B-B14F-4D97-AF65-F5344CB8AC3E}">
-        <p14:creationId xmlns:p14="http://schemas.microsoft.com/office/powerpoint/2010/main" val="2023701299"/>
+        <p14:creationId xmlns:p14="http://schemas.microsoft.com/office/powerpoint/2010/main" val="3985039404"/>
       </p:ext>
     </p:extLst>
   </p:cSld>
@@ -5427,8 +5563,8 @@
         </p:nvSpPr>
         <p:spPr>
           <a:xfrm>
-            <a:off x="805890" y="373747"/>
-            <a:ext cx="10091142" cy="1356861"/>
+            <a:off x="859580" y="373747"/>
+            <a:ext cx="10763429" cy="1356861"/>
           </a:xfrm>
         </p:spPr>
         <p:txBody>
@@ -5455,8 +5591,8 @@
         </p:nvSpPr>
         <p:spPr>
           <a:xfrm>
-            <a:off x="805891" y="1720857"/>
-            <a:ext cx="4949595" cy="843365"/>
+            <a:off x="859581" y="1720857"/>
+            <a:ext cx="5279344" cy="843365"/>
           </a:xfrm>
         </p:spPr>
         <p:txBody>
@@ -5464,39 +5600,39 @@
           <a:lstStyle>
             <a:lvl1pPr marL="0" indent="0">
               <a:buNone/>
-              <a:defRPr sz="2303" b="1"/>
+              <a:defRPr sz="2457" b="1"/>
             </a:lvl1pPr>
-            <a:lvl2pPr marL="438729" indent="0">
+            <a:lvl2pPr marL="467990" indent="0">
               <a:buNone/>
-              <a:defRPr sz="1919" b="1"/>
+              <a:defRPr sz="2047" b="1"/>
             </a:lvl2pPr>
-            <a:lvl3pPr marL="877458" indent="0">
+            <a:lvl3pPr marL="935980" indent="0">
               <a:buNone/>
-              <a:defRPr sz="1727" b="1"/>
+              <a:defRPr sz="1842" b="1"/>
             </a:lvl3pPr>
-            <a:lvl4pPr marL="1316187" indent="0">
+            <a:lvl4pPr marL="1403970" indent="0">
               <a:buNone/>
-              <a:defRPr sz="1535" b="1"/>
+              <a:defRPr sz="1638" b="1"/>
             </a:lvl4pPr>
-            <a:lvl5pPr marL="1754916" indent="0">
+            <a:lvl5pPr marL="1871960" indent="0">
               <a:buNone/>
-              <a:defRPr sz="1535" b="1"/>
+              <a:defRPr sz="1638" b="1"/>
             </a:lvl5pPr>
-            <a:lvl6pPr marL="2193646" indent="0">
+            <a:lvl6pPr marL="2339950" indent="0">
               <a:buNone/>
-              <a:defRPr sz="1535" b="1"/>
+              <a:defRPr sz="1638" b="1"/>
             </a:lvl6pPr>
-            <a:lvl7pPr marL="2632375" indent="0">
+            <a:lvl7pPr marL="2807940" indent="0">
               <a:buNone/>
-              <a:defRPr sz="1535" b="1"/>
+              <a:defRPr sz="1638" b="1"/>
             </a:lvl7pPr>
-            <a:lvl8pPr marL="3071104" indent="0">
+            <a:lvl8pPr marL="3275929" indent="0">
               <a:buNone/>
-              <a:defRPr sz="1535" b="1"/>
+              <a:defRPr sz="1638" b="1"/>
             </a:lvl8pPr>
-            <a:lvl9pPr marL="3509833" indent="0">
+            <a:lvl9pPr marL="3743919" indent="0">
               <a:buNone/>
-              <a:defRPr sz="1535" b="1"/>
+              <a:defRPr sz="1638" b="1"/>
             </a:lvl9pPr>
           </a:lstStyle>
           <a:p>
@@ -5520,8 +5656,8 @@
         </p:nvSpPr>
         <p:spPr>
           <a:xfrm>
-            <a:off x="805891" y="2564223"/>
-            <a:ext cx="4949595" cy="3771585"/>
+            <a:off x="859581" y="2564223"/>
+            <a:ext cx="5279344" cy="3771585"/>
           </a:xfrm>
         </p:spPr>
         <p:txBody>
@@ -5577,8 +5713,8 @@
         </p:nvSpPr>
         <p:spPr>
           <a:xfrm>
-            <a:off x="5923062" y="1720857"/>
-            <a:ext cx="4973971" cy="843365"/>
+            <a:off x="6317665" y="1720857"/>
+            <a:ext cx="5305344" cy="843365"/>
           </a:xfrm>
         </p:spPr>
         <p:txBody>
@@ -5586,39 +5722,39 @@
           <a:lstStyle>
             <a:lvl1pPr marL="0" indent="0">
               <a:buNone/>
-              <a:defRPr sz="2303" b="1"/>
+              <a:defRPr sz="2457" b="1"/>
             </a:lvl1pPr>
-            <a:lvl2pPr marL="438729" indent="0">
+            <a:lvl2pPr marL="467990" indent="0">
               <a:buNone/>
-              <a:defRPr sz="1919" b="1"/>
+              <a:defRPr sz="2047" b="1"/>
             </a:lvl2pPr>
-            <a:lvl3pPr marL="877458" indent="0">
+            <a:lvl3pPr marL="935980" indent="0">
               <a:buNone/>
-              <a:defRPr sz="1727" b="1"/>
+              <a:defRPr sz="1842" b="1"/>
             </a:lvl3pPr>
-            <a:lvl4pPr marL="1316187" indent="0">
+            <a:lvl4pPr marL="1403970" indent="0">
               <a:buNone/>
-              <a:defRPr sz="1535" b="1"/>
+              <a:defRPr sz="1638" b="1"/>
             </a:lvl4pPr>
-            <a:lvl5pPr marL="1754916" indent="0">
+            <a:lvl5pPr marL="1871960" indent="0">
               <a:buNone/>
-              <a:defRPr sz="1535" b="1"/>
+              <a:defRPr sz="1638" b="1"/>
             </a:lvl5pPr>
-            <a:lvl6pPr marL="2193646" indent="0">
+            <a:lvl6pPr marL="2339950" indent="0">
               <a:buNone/>
-              <a:defRPr sz="1535" b="1"/>
+              <a:defRPr sz="1638" b="1"/>
             </a:lvl6pPr>
-            <a:lvl7pPr marL="2632375" indent="0">
+            <a:lvl7pPr marL="2807940" indent="0">
               <a:buNone/>
-              <a:defRPr sz="1535" b="1"/>
+              <a:defRPr sz="1638" b="1"/>
             </a:lvl7pPr>
-            <a:lvl8pPr marL="3071104" indent="0">
+            <a:lvl8pPr marL="3275929" indent="0">
               <a:buNone/>
-              <a:defRPr sz="1535" b="1"/>
+              <a:defRPr sz="1638" b="1"/>
             </a:lvl8pPr>
-            <a:lvl9pPr marL="3509833" indent="0">
+            <a:lvl9pPr marL="3743919" indent="0">
               <a:buNone/>
-              <a:defRPr sz="1535" b="1"/>
+              <a:defRPr sz="1638" b="1"/>
             </a:lvl9pPr>
           </a:lstStyle>
           <a:p>
@@ -5642,8 +5778,8 @@
         </p:nvSpPr>
         <p:spPr>
           <a:xfrm>
-            <a:off x="5923062" y="2564223"/>
-            <a:ext cx="4973971" cy="3771585"/>
+            <a:off x="6317665" y="2564223"/>
+            <a:ext cx="5305344" cy="3771585"/>
           </a:xfrm>
         </p:spPr>
         <p:txBody>
@@ -5703,8 +5839,8 @@
           <a:lstStyle/>
           <a:p>
             <a:fld id="{C764DE79-268F-4C1A-8933-263129D2AF90}" type="datetimeFigureOut">
-              <a:rPr lang="en-US" dirty="0"/>
-              <a:t>9/9/2025</a:t>
+              <a:rPr lang="en-US" smtClean="0"/>
+              <a:t>9/24/2025</a:t>
             </a:fld>
             <a:endParaRPr lang="en-US" dirty="0"/>
           </a:p>
@@ -5745,7 +5881,7 @@
           <a:lstStyle/>
           <a:p>
             <a:fld id="{48F63A3B-78C7-47BE-AE5E-E10140E04643}" type="slidenum">
-              <a:rPr lang="en-US" dirty="0"/>
+              <a:rPr lang="en-US" smtClean="0"/>
               <a:t>‹#›</a:t>
             </a:fld>
             <a:endParaRPr lang="en-US" dirty="0"/>
@@ -5755,7 +5891,7 @@
     </p:spTree>
     <p:extLst>
       <p:ext uri="{BB962C8B-B14F-4D97-AF65-F5344CB8AC3E}">
-        <p14:creationId xmlns:p14="http://schemas.microsoft.com/office/powerpoint/2010/main" val="3114905416"/>
+        <p14:creationId xmlns:p14="http://schemas.microsoft.com/office/powerpoint/2010/main" val="3697798769"/>
       </p:ext>
     </p:extLst>
   </p:cSld>
@@ -5821,8 +5957,8 @@
           <a:lstStyle/>
           <a:p>
             <a:fld id="{C764DE79-268F-4C1A-8933-263129D2AF90}" type="datetimeFigureOut">
-              <a:rPr lang="en-US" dirty="0"/>
-              <a:t>9/9/2025</a:t>
+              <a:rPr lang="en-US" smtClean="0"/>
+              <a:t>9/24/2025</a:t>
             </a:fld>
             <a:endParaRPr lang="en-US" dirty="0"/>
           </a:p>
@@ -5863,7 +5999,7 @@
           <a:lstStyle/>
           <a:p>
             <a:fld id="{48F63A3B-78C7-47BE-AE5E-E10140E04643}" type="slidenum">
-              <a:rPr lang="en-US" dirty="0"/>
+              <a:rPr lang="en-US" smtClean="0"/>
               <a:t>‹#›</a:t>
             </a:fld>
             <a:endParaRPr lang="en-US" dirty="0"/>
@@ -5873,7 +6009,7 @@
     </p:spTree>
     <p:extLst>
       <p:ext uri="{BB962C8B-B14F-4D97-AF65-F5344CB8AC3E}">
-        <p14:creationId xmlns:p14="http://schemas.microsoft.com/office/powerpoint/2010/main" val="828670626"/>
+        <p14:creationId xmlns:p14="http://schemas.microsoft.com/office/powerpoint/2010/main" val="455353891"/>
       </p:ext>
     </p:extLst>
   </p:cSld>
@@ -5916,8 +6052,8 @@
           <a:lstStyle/>
           <a:p>
             <a:fld id="{C764DE79-268F-4C1A-8933-263129D2AF90}" type="datetimeFigureOut">
-              <a:rPr lang="en-US" dirty="0"/>
-              <a:t>9/9/2025</a:t>
+              <a:rPr lang="en-US" smtClean="0"/>
+              <a:t>9/24/2025</a:t>
             </a:fld>
             <a:endParaRPr lang="en-US" dirty="0"/>
           </a:p>
@@ -5958,7 +6094,7 @@
           <a:lstStyle/>
           <a:p>
             <a:fld id="{48F63A3B-78C7-47BE-AE5E-E10140E04643}" type="slidenum">
-              <a:rPr lang="en-US" dirty="0"/>
+              <a:rPr lang="en-US" smtClean="0"/>
               <a:t>‹#›</a:t>
             </a:fld>
             <a:endParaRPr lang="en-US" dirty="0"/>
@@ -5968,7 +6104,7 @@
     </p:spTree>
     <p:extLst>
       <p:ext uri="{BB962C8B-B14F-4D97-AF65-F5344CB8AC3E}">
-        <p14:creationId xmlns:p14="http://schemas.microsoft.com/office/powerpoint/2010/main" val="1530142169"/>
+        <p14:creationId xmlns:p14="http://schemas.microsoft.com/office/powerpoint/2010/main" val="3329603436"/>
       </p:ext>
     </p:extLst>
   </p:cSld>
@@ -6007,15 +6143,15 @@
         </p:nvSpPr>
         <p:spPr>
           <a:xfrm>
-            <a:off x="805891" y="467995"/>
-            <a:ext cx="3773514" cy="1637983"/>
+            <a:off x="859580" y="467995"/>
+            <a:ext cx="4024911" cy="1637983"/>
           </a:xfrm>
         </p:spPr>
         <p:txBody>
           <a:bodyPr anchor="b"/>
           <a:lstStyle>
             <a:lvl1pPr>
-              <a:defRPr sz="3071"/>
+              <a:defRPr sz="3276"/>
             </a:lvl1pPr>
           </a:lstStyle>
           <a:p>
@@ -6039,39 +6175,39 @@
         </p:nvSpPr>
         <p:spPr>
           <a:xfrm>
-            <a:off x="4973971" y="1010740"/>
-            <a:ext cx="5923062" cy="4988697"/>
+            <a:off x="5305344" y="1010740"/>
+            <a:ext cx="6317665" cy="4988697"/>
           </a:xfrm>
         </p:spPr>
         <p:txBody>
           <a:bodyPr/>
           <a:lstStyle>
             <a:lvl1pPr>
-              <a:defRPr sz="3071"/>
+              <a:defRPr sz="3276"/>
             </a:lvl1pPr>
             <a:lvl2pPr>
-              <a:defRPr sz="2687"/>
+              <a:defRPr sz="2866"/>
             </a:lvl2pPr>
             <a:lvl3pPr>
-              <a:defRPr sz="2303"/>
+              <a:defRPr sz="2457"/>
             </a:lvl3pPr>
             <a:lvl4pPr>
-              <a:defRPr sz="1919"/>
+              <a:defRPr sz="2047"/>
             </a:lvl4pPr>
             <a:lvl5pPr>
-              <a:defRPr sz="1919"/>
+              <a:defRPr sz="2047"/>
             </a:lvl5pPr>
             <a:lvl6pPr>
-              <a:defRPr sz="1919"/>
+              <a:defRPr sz="2047"/>
             </a:lvl6pPr>
             <a:lvl7pPr>
-              <a:defRPr sz="1919"/>
+              <a:defRPr sz="2047"/>
             </a:lvl7pPr>
             <a:lvl8pPr>
-              <a:defRPr sz="1919"/>
+              <a:defRPr sz="2047"/>
             </a:lvl8pPr>
             <a:lvl9pPr>
-              <a:defRPr sz="1919"/>
+              <a:defRPr sz="2047"/>
             </a:lvl9pPr>
           </a:lstStyle>
           <a:p>
@@ -6124,8 +6260,8 @@
         </p:nvSpPr>
         <p:spPr>
           <a:xfrm>
-            <a:off x="805891" y="2105977"/>
-            <a:ext cx="3773514" cy="3901584"/>
+            <a:off x="859580" y="2105977"/>
+            <a:ext cx="4024911" cy="3901584"/>
           </a:xfrm>
         </p:spPr>
         <p:txBody>
@@ -6133,39 +6269,39 @@
           <a:lstStyle>
             <a:lvl1pPr marL="0" indent="0">
               <a:buNone/>
-              <a:defRPr sz="1535"/>
+              <a:defRPr sz="1638"/>
             </a:lvl1pPr>
-            <a:lvl2pPr marL="438729" indent="0">
+            <a:lvl2pPr marL="467990" indent="0">
               <a:buNone/>
-              <a:defRPr sz="1343"/>
+              <a:defRPr sz="1433"/>
             </a:lvl2pPr>
-            <a:lvl3pPr marL="877458" indent="0">
+            <a:lvl3pPr marL="935980" indent="0">
               <a:buNone/>
-              <a:defRPr sz="1152"/>
+              <a:defRPr sz="1228"/>
             </a:lvl3pPr>
-            <a:lvl4pPr marL="1316187" indent="0">
+            <a:lvl4pPr marL="1403970" indent="0">
               <a:buNone/>
-              <a:defRPr sz="960"/>
+              <a:defRPr sz="1024"/>
             </a:lvl4pPr>
-            <a:lvl5pPr marL="1754916" indent="0">
+            <a:lvl5pPr marL="1871960" indent="0">
               <a:buNone/>
-              <a:defRPr sz="960"/>
+              <a:defRPr sz="1024"/>
             </a:lvl5pPr>
-            <a:lvl6pPr marL="2193646" indent="0">
+            <a:lvl6pPr marL="2339950" indent="0">
               <a:buNone/>
-              <a:defRPr sz="960"/>
+              <a:defRPr sz="1024"/>
             </a:lvl6pPr>
-            <a:lvl7pPr marL="2632375" indent="0">
+            <a:lvl7pPr marL="2807940" indent="0">
               <a:buNone/>
-              <a:defRPr sz="960"/>
+              <a:defRPr sz="1024"/>
             </a:lvl7pPr>
-            <a:lvl8pPr marL="3071104" indent="0">
+            <a:lvl8pPr marL="3275929" indent="0">
               <a:buNone/>
-              <a:defRPr sz="960"/>
+              <a:defRPr sz="1024"/>
             </a:lvl8pPr>
-            <a:lvl9pPr marL="3509833" indent="0">
+            <a:lvl9pPr marL="3743919" indent="0">
               <a:buNone/>
-              <a:defRPr sz="960"/>
+              <a:defRPr sz="1024"/>
             </a:lvl9pPr>
           </a:lstStyle>
           <a:p>
@@ -6193,8 +6329,8 @@
           <a:lstStyle/>
           <a:p>
             <a:fld id="{C764DE79-268F-4C1A-8933-263129D2AF90}" type="datetimeFigureOut">
-              <a:rPr lang="en-US" dirty="0"/>
-              <a:t>9/9/2025</a:t>
+              <a:rPr lang="en-US" smtClean="0"/>
+              <a:t>9/24/2025</a:t>
             </a:fld>
             <a:endParaRPr lang="en-US" dirty="0"/>
           </a:p>
@@ -6235,7 +6371,7 @@
           <a:lstStyle/>
           <a:p>
             <a:fld id="{48F63A3B-78C7-47BE-AE5E-E10140E04643}" type="slidenum">
-              <a:rPr lang="en-US" dirty="0"/>
+              <a:rPr lang="en-US" smtClean="0"/>
               <a:t>‹#›</a:t>
             </a:fld>
             <a:endParaRPr lang="en-US" dirty="0"/>
@@ -6245,7 +6381,7 @@
     </p:spTree>
     <p:extLst>
       <p:ext uri="{BB962C8B-B14F-4D97-AF65-F5344CB8AC3E}">
-        <p14:creationId xmlns:p14="http://schemas.microsoft.com/office/powerpoint/2010/main" val="2004334842"/>
+        <p14:creationId xmlns:p14="http://schemas.microsoft.com/office/powerpoint/2010/main" val="3903671583"/>
       </p:ext>
     </p:extLst>
   </p:cSld>
@@ -6284,15 +6420,15 @@
         </p:nvSpPr>
         <p:spPr>
           <a:xfrm>
-            <a:off x="805891" y="467995"/>
-            <a:ext cx="3773514" cy="1637983"/>
+            <a:off x="859580" y="467995"/>
+            <a:ext cx="4024911" cy="1637983"/>
           </a:xfrm>
         </p:spPr>
         <p:txBody>
           <a:bodyPr anchor="b"/>
           <a:lstStyle>
             <a:lvl1pPr>
-              <a:defRPr sz="3071"/>
+              <a:defRPr sz="3276"/>
             </a:lvl1pPr>
           </a:lstStyle>
           <a:p>
@@ -6316,8 +6452,8 @@
         </p:nvSpPr>
         <p:spPr>
           <a:xfrm>
-            <a:off x="4973971" y="1010740"/>
-            <a:ext cx="5923062" cy="4988697"/>
+            <a:off x="5305344" y="1010740"/>
+            <a:ext cx="6317665" cy="4988697"/>
           </a:xfrm>
         </p:spPr>
         <p:txBody>
@@ -6325,39 +6461,39 @@
           <a:lstStyle>
             <a:lvl1pPr marL="0" indent="0">
               <a:buNone/>
-              <a:defRPr sz="3071"/>
+              <a:defRPr sz="3276"/>
             </a:lvl1pPr>
-            <a:lvl2pPr marL="438729" indent="0">
+            <a:lvl2pPr marL="467990" indent="0">
               <a:buNone/>
-              <a:defRPr sz="2687"/>
+              <a:defRPr sz="2866"/>
             </a:lvl2pPr>
-            <a:lvl3pPr marL="877458" indent="0">
+            <a:lvl3pPr marL="935980" indent="0">
               <a:buNone/>
-              <a:defRPr sz="2303"/>
+              <a:defRPr sz="2457"/>
             </a:lvl3pPr>
-            <a:lvl4pPr marL="1316187" indent="0">
+            <a:lvl4pPr marL="1403970" indent="0">
               <a:buNone/>
-              <a:defRPr sz="1919"/>
+              <a:defRPr sz="2047"/>
             </a:lvl4pPr>
-            <a:lvl5pPr marL="1754916" indent="0">
+            <a:lvl5pPr marL="1871960" indent="0">
               <a:buNone/>
-              <a:defRPr sz="1919"/>
+              <a:defRPr sz="2047"/>
             </a:lvl5pPr>
-            <a:lvl6pPr marL="2193646" indent="0">
+            <a:lvl6pPr marL="2339950" indent="0">
               <a:buNone/>
-              <a:defRPr sz="1919"/>
+              <a:defRPr sz="2047"/>
             </a:lvl6pPr>
-            <a:lvl7pPr marL="2632375" indent="0">
+            <a:lvl7pPr marL="2807940" indent="0">
               <a:buNone/>
-              <a:defRPr sz="1919"/>
+              <a:defRPr sz="2047"/>
             </a:lvl7pPr>
-            <a:lvl8pPr marL="3071104" indent="0">
+            <a:lvl8pPr marL="3275929" indent="0">
               <a:buNone/>
-              <a:defRPr sz="1919"/>
+              <a:defRPr sz="2047"/>
             </a:lvl8pPr>
-            <a:lvl9pPr marL="3509833" indent="0">
+            <a:lvl9pPr marL="3743919" indent="0">
               <a:buNone/>
-              <a:defRPr sz="1919"/>
+              <a:defRPr sz="2047"/>
             </a:lvl9pPr>
           </a:lstStyle>
           <a:p>
@@ -6381,8 +6517,8 @@
         </p:nvSpPr>
         <p:spPr>
           <a:xfrm>
-            <a:off x="805891" y="2105977"/>
-            <a:ext cx="3773514" cy="3901584"/>
+            <a:off x="859580" y="2105977"/>
+            <a:ext cx="4024911" cy="3901584"/>
           </a:xfrm>
         </p:spPr>
         <p:txBody>
@@ -6390,39 +6526,39 @@
           <a:lstStyle>
             <a:lvl1pPr marL="0" indent="0">
               <a:buNone/>
-              <a:defRPr sz="1535"/>
+              <a:defRPr sz="1638"/>
             </a:lvl1pPr>
-            <a:lvl2pPr marL="438729" indent="0">
+            <a:lvl2pPr marL="467990" indent="0">
               <a:buNone/>
-              <a:defRPr sz="1343"/>
+              <a:defRPr sz="1433"/>
             </a:lvl2pPr>
-            <a:lvl3pPr marL="877458" indent="0">
+            <a:lvl3pPr marL="935980" indent="0">
               <a:buNone/>
-              <a:defRPr sz="1152"/>
+              <a:defRPr sz="1228"/>
             </a:lvl3pPr>
-            <a:lvl4pPr marL="1316187" indent="0">
+            <a:lvl4pPr marL="1403970" indent="0">
               <a:buNone/>
-              <a:defRPr sz="960"/>
+              <a:defRPr sz="1024"/>
             </a:lvl4pPr>
-            <a:lvl5pPr marL="1754916" indent="0">
+            <a:lvl5pPr marL="1871960" indent="0">
               <a:buNone/>
-              <a:defRPr sz="960"/>
+              <a:defRPr sz="1024"/>
             </a:lvl5pPr>
-            <a:lvl6pPr marL="2193646" indent="0">
+            <a:lvl6pPr marL="2339950" indent="0">
               <a:buNone/>
-              <a:defRPr sz="960"/>
+              <a:defRPr sz="1024"/>
             </a:lvl6pPr>
-            <a:lvl7pPr marL="2632375" indent="0">
+            <a:lvl7pPr marL="2807940" indent="0">
               <a:buNone/>
-              <a:defRPr sz="960"/>
+              <a:defRPr sz="1024"/>
             </a:lvl7pPr>
-            <a:lvl8pPr marL="3071104" indent="0">
+            <a:lvl8pPr marL="3275929" indent="0">
               <a:buNone/>
-              <a:defRPr sz="960"/>
+              <a:defRPr sz="1024"/>
             </a:lvl8pPr>
-            <a:lvl9pPr marL="3509833" indent="0">
+            <a:lvl9pPr marL="3743919" indent="0">
               <a:buNone/>
-              <a:defRPr sz="960"/>
+              <a:defRPr sz="1024"/>
             </a:lvl9pPr>
           </a:lstStyle>
           <a:p>
@@ -6450,8 +6586,8 @@
           <a:lstStyle/>
           <a:p>
             <a:fld id="{C764DE79-268F-4C1A-8933-263129D2AF90}" type="datetimeFigureOut">
-              <a:rPr lang="en-US" dirty="0"/>
-              <a:t>9/9/2025</a:t>
+              <a:rPr lang="en-US" smtClean="0"/>
+              <a:t>9/24/2025</a:t>
             </a:fld>
             <a:endParaRPr lang="en-US" dirty="0"/>
           </a:p>
@@ -6492,7 +6628,7 @@
           <a:lstStyle/>
           <a:p>
             <a:fld id="{48F63A3B-78C7-47BE-AE5E-E10140E04643}" type="slidenum">
-              <a:rPr lang="en-US" dirty="0"/>
+              <a:rPr lang="en-US" smtClean="0"/>
               <a:t>‹#›</a:t>
             </a:fld>
             <a:endParaRPr lang="en-US" dirty="0"/>
@@ -6502,7 +6638,7 @@
     </p:spTree>
     <p:extLst>
       <p:ext uri="{BB962C8B-B14F-4D97-AF65-F5344CB8AC3E}">
-        <p14:creationId xmlns:p14="http://schemas.microsoft.com/office/powerpoint/2010/main" val="108064275"/>
+        <p14:creationId xmlns:p14="http://schemas.microsoft.com/office/powerpoint/2010/main" val="1248453416"/>
       </p:ext>
     </p:extLst>
   </p:cSld>
@@ -6546,8 +6682,8 @@
         </p:nvSpPr>
         <p:spPr>
           <a:xfrm>
-            <a:off x="804367" y="373747"/>
-            <a:ext cx="10091142" cy="1356861"/>
+            <a:off x="857955" y="373747"/>
+            <a:ext cx="10763429" cy="1356861"/>
           </a:xfrm>
           <a:prstGeom prst="rect">
             <a:avLst/>
@@ -6579,8 +6715,8 @@
         </p:nvSpPr>
         <p:spPr>
           <a:xfrm>
-            <a:off x="804367" y="1868730"/>
-            <a:ext cx="10091142" cy="4454078"/>
+            <a:off x="857955" y="1868730"/>
+            <a:ext cx="10763429" cy="4454078"/>
           </a:xfrm>
           <a:prstGeom prst="rect">
             <a:avLst/>
@@ -6641,8 +6777,8 @@
         </p:nvSpPr>
         <p:spPr>
           <a:xfrm>
-            <a:off x="804366" y="6506431"/>
-            <a:ext cx="2632472" cy="373746"/>
+            <a:off x="857955" y="6506431"/>
+            <a:ext cx="2807851" cy="373746"/>
           </a:xfrm>
           <a:prstGeom prst="rect">
             <a:avLst/>
@@ -6652,7 +6788,7 @@
           <a:bodyPr vert="horz" lIns="91440" tIns="45720" rIns="91440" bIns="45720" rtlCol="0" anchor="ctr"/>
           <a:lstStyle>
             <a:lvl1pPr algn="l">
-              <a:defRPr sz="1152">
+              <a:defRPr sz="1228">
                 <a:solidFill>
                   <a:schemeClr val="tx1">
                     <a:tint val="82000"/>
@@ -6663,8 +6799,8 @@
           </a:lstStyle>
           <a:p>
             <a:fld id="{C764DE79-268F-4C1A-8933-263129D2AF90}" type="datetimeFigureOut">
-              <a:rPr lang="en-US" dirty="0"/>
-              <a:t>9/9/2025</a:t>
+              <a:rPr lang="en-US" smtClean="0"/>
+              <a:t>9/24/2025</a:t>
             </a:fld>
             <a:endParaRPr lang="en-US" dirty="0"/>
           </a:p>
@@ -6682,8 +6818,8 @@
         </p:nvSpPr>
         <p:spPr>
           <a:xfrm>
-            <a:off x="3875584" y="6506431"/>
-            <a:ext cx="3948708" cy="373746"/>
+            <a:off x="4133781" y="6506431"/>
+            <a:ext cx="4211777" cy="373746"/>
           </a:xfrm>
           <a:prstGeom prst="rect">
             <a:avLst/>
@@ -6693,7 +6829,7 @@
           <a:bodyPr vert="horz" lIns="91440" tIns="45720" rIns="91440" bIns="45720" rtlCol="0" anchor="ctr"/>
           <a:lstStyle>
             <a:lvl1pPr algn="ctr">
-              <a:defRPr sz="1152">
+              <a:defRPr sz="1228">
                 <a:solidFill>
                   <a:schemeClr val="tx1">
                     <a:tint val="82000"/>
@@ -6719,8 +6855,8 @@
         </p:nvSpPr>
         <p:spPr>
           <a:xfrm>
-            <a:off x="8263037" y="6506431"/>
-            <a:ext cx="2632472" cy="373746"/>
+            <a:off x="8813532" y="6506431"/>
+            <a:ext cx="2807851" cy="373746"/>
           </a:xfrm>
           <a:prstGeom prst="rect">
             <a:avLst/>
@@ -6730,7 +6866,7 @@
           <a:bodyPr vert="horz" lIns="91440" tIns="45720" rIns="91440" bIns="45720" rtlCol="0" anchor="ctr"/>
           <a:lstStyle>
             <a:lvl1pPr algn="r">
-              <a:defRPr sz="1152">
+              <a:defRPr sz="1228">
                 <a:solidFill>
                   <a:schemeClr val="tx1">
                     <a:tint val="82000"/>
@@ -6741,7 +6877,7 @@
           </a:lstStyle>
           <a:p>
             <a:fld id="{48F63A3B-78C7-47BE-AE5E-E10140E04643}" type="slidenum">
-              <a:rPr lang="en-US" dirty="0"/>
+              <a:rPr lang="en-US" smtClean="0"/>
               <a:t>‹#›</a:t>
             </a:fld>
             <a:endParaRPr lang="en-US" dirty="0"/>
@@ -6751,33 +6887,33 @@
     </p:spTree>
     <p:extLst>
       <p:ext uri="{BB962C8B-B14F-4D97-AF65-F5344CB8AC3E}">
-        <p14:creationId xmlns:p14="http://schemas.microsoft.com/office/powerpoint/2010/main" val="3373859515"/>
+        <p14:creationId xmlns:p14="http://schemas.microsoft.com/office/powerpoint/2010/main" val="1214957867"/>
       </p:ext>
     </p:extLst>
   </p:cSld>
   <p:clrMap bg1="lt1" tx1="dk1" bg2="lt2" tx2="dk2" accent1="accent1" accent2="accent2" accent3="accent3" accent4="accent4" accent5="accent5" accent6="accent6" hlink="hlink" folHlink="folHlink"/>
   <p:sldLayoutIdLst>
-    <p:sldLayoutId id="2147483662" r:id="rId1"/>
-    <p:sldLayoutId id="2147483663" r:id="rId2"/>
-    <p:sldLayoutId id="2147483664" r:id="rId3"/>
-    <p:sldLayoutId id="2147483665" r:id="rId4"/>
-    <p:sldLayoutId id="2147483666" r:id="rId5"/>
-    <p:sldLayoutId id="2147483667" r:id="rId6"/>
-    <p:sldLayoutId id="2147483668" r:id="rId7"/>
-    <p:sldLayoutId id="2147483669" r:id="rId8"/>
-    <p:sldLayoutId id="2147483670" r:id="rId9"/>
-    <p:sldLayoutId id="2147483671" r:id="rId10"/>
-    <p:sldLayoutId id="2147483672" r:id="rId11"/>
-    <p:sldLayoutId id="2147483673" r:id="rId12"/>
-    <p:sldLayoutId id="2147483674" r:id="rId13"/>
-    <p:sldLayoutId id="2147483675" r:id="rId14"/>
-    <p:sldLayoutId id="2147483676" r:id="rId15"/>
-    <p:sldLayoutId id="2147483677" r:id="rId16"/>
+    <p:sldLayoutId id="2147483679" r:id="rId1"/>
+    <p:sldLayoutId id="2147483680" r:id="rId2"/>
+    <p:sldLayoutId id="2147483681" r:id="rId3"/>
+    <p:sldLayoutId id="2147483682" r:id="rId4"/>
+    <p:sldLayoutId id="2147483683" r:id="rId5"/>
+    <p:sldLayoutId id="2147483684" r:id="rId6"/>
+    <p:sldLayoutId id="2147483685" r:id="rId7"/>
+    <p:sldLayoutId id="2147483686" r:id="rId8"/>
+    <p:sldLayoutId id="2147483687" r:id="rId9"/>
+    <p:sldLayoutId id="2147483688" r:id="rId10"/>
+    <p:sldLayoutId id="2147483689" r:id="rId11"/>
+    <p:sldLayoutId id="2147483690" r:id="rId12"/>
+    <p:sldLayoutId id="2147483691" r:id="rId13"/>
+    <p:sldLayoutId id="2147483692" r:id="rId14"/>
+    <p:sldLayoutId id="2147483693" r:id="rId15"/>
+    <p:sldLayoutId id="2147483694" r:id="rId16"/>
     <p:sldLayoutId id="2147483650" r:id="rId17"/>
   </p:sldLayoutIdLst>
   <p:txStyles>
     <p:titleStyle>
-      <a:lvl1pPr algn="l" defTabSz="877458" rtl="0" eaLnBrk="1" latinLnBrk="0" hangingPunct="1">
+      <a:lvl1pPr algn="l" defTabSz="935980" rtl="0" eaLnBrk="1" latinLnBrk="0" hangingPunct="1">
         <a:lnSpc>
           <a:spcPct val="90000"/>
         </a:lnSpc>
@@ -6785,7 +6921,7 @@
           <a:spcPct val="0"/>
         </a:spcBef>
         <a:buNone/>
-        <a:defRPr sz="4222" kern="1200">
+        <a:defRPr sz="4504" kern="1200">
           <a:solidFill>
             <a:schemeClr val="tx1"/>
           </a:solidFill>
@@ -6796,16 +6932,16 @@
       </a:lvl1pPr>
     </p:titleStyle>
     <p:bodyStyle>
-      <a:lvl1pPr marL="219365" indent="-219365" algn="l" defTabSz="877458" rtl="0" eaLnBrk="1" latinLnBrk="0" hangingPunct="1">
+      <a:lvl1pPr marL="233995" indent="-233995" algn="l" defTabSz="935980" rtl="0" eaLnBrk="1" latinLnBrk="0" hangingPunct="1">
         <a:lnSpc>
           <a:spcPct val="90000"/>
         </a:lnSpc>
         <a:spcBef>
-          <a:spcPts val="960"/>
+          <a:spcPts val="1024"/>
         </a:spcBef>
         <a:buFont typeface="Arial" panose="020B0604020202020204" pitchFamily="34" charset="0"/>
         <a:buChar char="•"/>
-        <a:defRPr sz="2687" kern="1200">
+        <a:defRPr sz="2866" kern="1200">
           <a:solidFill>
             <a:schemeClr val="tx1"/>
           </a:solidFill>
@@ -6814,16 +6950,16 @@
           <a:cs typeface="+mn-cs"/>
         </a:defRPr>
       </a:lvl1pPr>
-      <a:lvl2pPr marL="658094" indent="-219365" algn="l" defTabSz="877458" rtl="0" eaLnBrk="1" latinLnBrk="0" hangingPunct="1">
+      <a:lvl2pPr marL="701985" indent="-233995" algn="l" defTabSz="935980" rtl="0" eaLnBrk="1" latinLnBrk="0" hangingPunct="1">
         <a:lnSpc>
           <a:spcPct val="90000"/>
         </a:lnSpc>
         <a:spcBef>
-          <a:spcPts val="480"/>
+          <a:spcPts val="512"/>
         </a:spcBef>
         <a:buFont typeface="Arial" panose="020B0604020202020204" pitchFamily="34" charset="0"/>
         <a:buChar char="•"/>
-        <a:defRPr sz="2303" kern="1200">
+        <a:defRPr sz="2457" kern="1200">
           <a:solidFill>
             <a:schemeClr val="tx1"/>
           </a:solidFill>
@@ -6832,16 +6968,16 @@
           <a:cs typeface="+mn-cs"/>
         </a:defRPr>
       </a:lvl2pPr>
-      <a:lvl3pPr marL="1096823" indent="-219365" algn="l" defTabSz="877458" rtl="0" eaLnBrk="1" latinLnBrk="0" hangingPunct="1">
+      <a:lvl3pPr marL="1169975" indent="-233995" algn="l" defTabSz="935980" rtl="0" eaLnBrk="1" latinLnBrk="0" hangingPunct="1">
         <a:lnSpc>
           <a:spcPct val="90000"/>
         </a:lnSpc>
         <a:spcBef>
-          <a:spcPts val="480"/>
+          <a:spcPts val="512"/>
         </a:spcBef>
         <a:buFont typeface="Arial" panose="020B0604020202020204" pitchFamily="34" charset="0"/>
         <a:buChar char="•"/>
-        <a:defRPr sz="1919" kern="1200">
+        <a:defRPr sz="2047" kern="1200">
           <a:solidFill>
             <a:schemeClr val="tx1"/>
           </a:solidFill>
@@ -6850,16 +6986,16 @@
           <a:cs typeface="+mn-cs"/>
         </a:defRPr>
       </a:lvl3pPr>
-      <a:lvl4pPr marL="1535552" indent="-219365" algn="l" defTabSz="877458" rtl="0" eaLnBrk="1" latinLnBrk="0" hangingPunct="1">
+      <a:lvl4pPr marL="1637965" indent="-233995" algn="l" defTabSz="935980" rtl="0" eaLnBrk="1" latinLnBrk="0" hangingPunct="1">
         <a:lnSpc>
           <a:spcPct val="90000"/>
         </a:lnSpc>
         <a:spcBef>
-          <a:spcPts val="480"/>
+          <a:spcPts val="512"/>
         </a:spcBef>
         <a:buFont typeface="Arial" panose="020B0604020202020204" pitchFamily="34" charset="0"/>
         <a:buChar char="•"/>
-        <a:defRPr sz="1727" kern="1200">
+        <a:defRPr sz="1842" kern="1200">
           <a:solidFill>
             <a:schemeClr val="tx1"/>
           </a:solidFill>
@@ -6868,16 +7004,16 @@
           <a:cs typeface="+mn-cs"/>
         </a:defRPr>
       </a:lvl4pPr>
-      <a:lvl5pPr marL="1974281" indent="-219365" algn="l" defTabSz="877458" rtl="0" eaLnBrk="1" latinLnBrk="0" hangingPunct="1">
+      <a:lvl5pPr marL="2105955" indent="-233995" algn="l" defTabSz="935980" rtl="0" eaLnBrk="1" latinLnBrk="0" hangingPunct="1">
         <a:lnSpc>
           <a:spcPct val="90000"/>
         </a:lnSpc>
         <a:spcBef>
-          <a:spcPts val="480"/>
+          <a:spcPts val="512"/>
         </a:spcBef>
         <a:buFont typeface="Arial" panose="020B0604020202020204" pitchFamily="34" charset="0"/>
         <a:buChar char="•"/>
-        <a:defRPr sz="1727" kern="1200">
+        <a:defRPr sz="1842" kern="1200">
           <a:solidFill>
             <a:schemeClr val="tx1"/>
           </a:solidFill>
@@ -6886,16 +7022,16 @@
           <a:cs typeface="+mn-cs"/>
         </a:defRPr>
       </a:lvl5pPr>
-      <a:lvl6pPr marL="2413010" indent="-219365" algn="l" defTabSz="877458" rtl="0" eaLnBrk="1" latinLnBrk="0" hangingPunct="1">
+      <a:lvl6pPr marL="2573945" indent="-233995" algn="l" defTabSz="935980" rtl="0" eaLnBrk="1" latinLnBrk="0" hangingPunct="1">
         <a:lnSpc>
           <a:spcPct val="90000"/>
         </a:lnSpc>
         <a:spcBef>
-          <a:spcPts val="480"/>
+          <a:spcPts val="512"/>
         </a:spcBef>
         <a:buFont typeface="Arial" panose="020B0604020202020204" pitchFamily="34" charset="0"/>
         <a:buChar char="•"/>
-        <a:defRPr sz="1727" kern="1200">
+        <a:defRPr sz="1842" kern="1200">
           <a:solidFill>
             <a:schemeClr val="tx1"/>
           </a:solidFill>
@@ -6904,16 +7040,16 @@
           <a:cs typeface="+mn-cs"/>
         </a:defRPr>
       </a:lvl6pPr>
-      <a:lvl7pPr marL="2851739" indent="-219365" algn="l" defTabSz="877458" rtl="0" eaLnBrk="1" latinLnBrk="0" hangingPunct="1">
+      <a:lvl7pPr marL="3041934" indent="-233995" algn="l" defTabSz="935980" rtl="0" eaLnBrk="1" latinLnBrk="0" hangingPunct="1">
         <a:lnSpc>
           <a:spcPct val="90000"/>
         </a:lnSpc>
         <a:spcBef>
-          <a:spcPts val="480"/>
+          <a:spcPts val="512"/>
         </a:spcBef>
         <a:buFont typeface="Arial" panose="020B0604020202020204" pitchFamily="34" charset="0"/>
         <a:buChar char="•"/>
-        <a:defRPr sz="1727" kern="1200">
+        <a:defRPr sz="1842" kern="1200">
           <a:solidFill>
             <a:schemeClr val="tx1"/>
           </a:solidFill>
@@ -6922,16 +7058,16 @@
           <a:cs typeface="+mn-cs"/>
         </a:defRPr>
       </a:lvl7pPr>
-      <a:lvl8pPr marL="3290468" indent="-219365" algn="l" defTabSz="877458" rtl="0" eaLnBrk="1" latinLnBrk="0" hangingPunct="1">
+      <a:lvl8pPr marL="3509924" indent="-233995" algn="l" defTabSz="935980" rtl="0" eaLnBrk="1" latinLnBrk="0" hangingPunct="1">
         <a:lnSpc>
           <a:spcPct val="90000"/>
         </a:lnSpc>
         <a:spcBef>
-          <a:spcPts val="480"/>
+          <a:spcPts val="512"/>
         </a:spcBef>
         <a:buFont typeface="Arial" panose="020B0604020202020204" pitchFamily="34" charset="0"/>
         <a:buChar char="•"/>
-        <a:defRPr sz="1727" kern="1200">
+        <a:defRPr sz="1842" kern="1200">
           <a:solidFill>
             <a:schemeClr val="tx1"/>
           </a:solidFill>
@@ -6940,16 +7076,16 @@
           <a:cs typeface="+mn-cs"/>
         </a:defRPr>
       </a:lvl8pPr>
-      <a:lvl9pPr marL="3729198" indent="-219365" algn="l" defTabSz="877458" rtl="0" eaLnBrk="1" latinLnBrk="0" hangingPunct="1">
+      <a:lvl9pPr marL="3977914" indent="-233995" algn="l" defTabSz="935980" rtl="0" eaLnBrk="1" latinLnBrk="0" hangingPunct="1">
         <a:lnSpc>
           <a:spcPct val="90000"/>
         </a:lnSpc>
         <a:spcBef>
-          <a:spcPts val="480"/>
+          <a:spcPts val="512"/>
         </a:spcBef>
         <a:buFont typeface="Arial" panose="020B0604020202020204" pitchFamily="34" charset="0"/>
         <a:buChar char="•"/>
-        <a:defRPr sz="1727" kern="1200">
+        <a:defRPr sz="1842" kern="1200">
           <a:solidFill>
             <a:schemeClr val="tx1"/>
           </a:solidFill>
@@ -6963,8 +7099,8 @@
       <a:defPPr>
         <a:defRPr lang="en-US"/>
       </a:defPPr>
-      <a:lvl1pPr marL="0" algn="l" defTabSz="877458" rtl="0" eaLnBrk="1" latinLnBrk="0" hangingPunct="1">
-        <a:defRPr sz="1727" kern="1200">
+      <a:lvl1pPr marL="0" algn="l" defTabSz="935980" rtl="0" eaLnBrk="1" latinLnBrk="0" hangingPunct="1">
+        <a:defRPr sz="1842" kern="1200">
           <a:solidFill>
             <a:schemeClr val="tx1"/>
           </a:solidFill>
@@ -6973,8 +7109,8 @@
           <a:cs typeface="+mn-cs"/>
         </a:defRPr>
       </a:lvl1pPr>
-      <a:lvl2pPr marL="438729" algn="l" defTabSz="877458" rtl="0" eaLnBrk="1" latinLnBrk="0" hangingPunct="1">
-        <a:defRPr sz="1727" kern="1200">
+      <a:lvl2pPr marL="467990" algn="l" defTabSz="935980" rtl="0" eaLnBrk="1" latinLnBrk="0" hangingPunct="1">
+        <a:defRPr sz="1842" kern="1200">
           <a:solidFill>
             <a:schemeClr val="tx1"/>
           </a:solidFill>
@@ -6983,8 +7119,8 @@
           <a:cs typeface="+mn-cs"/>
         </a:defRPr>
       </a:lvl2pPr>
-      <a:lvl3pPr marL="877458" algn="l" defTabSz="877458" rtl="0" eaLnBrk="1" latinLnBrk="0" hangingPunct="1">
-        <a:defRPr sz="1727" kern="1200">
+      <a:lvl3pPr marL="935980" algn="l" defTabSz="935980" rtl="0" eaLnBrk="1" latinLnBrk="0" hangingPunct="1">
+        <a:defRPr sz="1842" kern="1200">
           <a:solidFill>
             <a:schemeClr val="tx1"/>
           </a:solidFill>
@@ -6993,8 +7129,8 @@
           <a:cs typeface="+mn-cs"/>
         </a:defRPr>
       </a:lvl3pPr>
-      <a:lvl4pPr marL="1316187" algn="l" defTabSz="877458" rtl="0" eaLnBrk="1" latinLnBrk="0" hangingPunct="1">
-        <a:defRPr sz="1727" kern="1200">
+      <a:lvl4pPr marL="1403970" algn="l" defTabSz="935980" rtl="0" eaLnBrk="1" latinLnBrk="0" hangingPunct="1">
+        <a:defRPr sz="1842" kern="1200">
           <a:solidFill>
             <a:schemeClr val="tx1"/>
           </a:solidFill>
@@ -7003,8 +7139,8 @@
           <a:cs typeface="+mn-cs"/>
         </a:defRPr>
       </a:lvl4pPr>
-      <a:lvl5pPr marL="1754916" algn="l" defTabSz="877458" rtl="0" eaLnBrk="1" latinLnBrk="0" hangingPunct="1">
-        <a:defRPr sz="1727" kern="1200">
+      <a:lvl5pPr marL="1871960" algn="l" defTabSz="935980" rtl="0" eaLnBrk="1" latinLnBrk="0" hangingPunct="1">
+        <a:defRPr sz="1842" kern="1200">
           <a:solidFill>
             <a:schemeClr val="tx1"/>
           </a:solidFill>
@@ -7013,8 +7149,8 @@
           <a:cs typeface="+mn-cs"/>
         </a:defRPr>
       </a:lvl5pPr>
-      <a:lvl6pPr marL="2193646" algn="l" defTabSz="877458" rtl="0" eaLnBrk="1" latinLnBrk="0" hangingPunct="1">
-        <a:defRPr sz="1727" kern="1200">
+      <a:lvl6pPr marL="2339950" algn="l" defTabSz="935980" rtl="0" eaLnBrk="1" latinLnBrk="0" hangingPunct="1">
+        <a:defRPr sz="1842" kern="1200">
           <a:solidFill>
             <a:schemeClr val="tx1"/>
           </a:solidFill>
@@ -7023,8 +7159,8 @@
           <a:cs typeface="+mn-cs"/>
         </a:defRPr>
       </a:lvl6pPr>
-      <a:lvl7pPr marL="2632375" algn="l" defTabSz="877458" rtl="0" eaLnBrk="1" latinLnBrk="0" hangingPunct="1">
-        <a:defRPr sz="1727" kern="1200">
+      <a:lvl7pPr marL="2807940" algn="l" defTabSz="935980" rtl="0" eaLnBrk="1" latinLnBrk="0" hangingPunct="1">
+        <a:defRPr sz="1842" kern="1200">
           <a:solidFill>
             <a:schemeClr val="tx1"/>
           </a:solidFill>
@@ -7033,8 +7169,8 @@
           <a:cs typeface="+mn-cs"/>
         </a:defRPr>
       </a:lvl7pPr>
-      <a:lvl8pPr marL="3071104" algn="l" defTabSz="877458" rtl="0" eaLnBrk="1" latinLnBrk="0" hangingPunct="1">
-        <a:defRPr sz="1727" kern="1200">
+      <a:lvl8pPr marL="3275929" algn="l" defTabSz="935980" rtl="0" eaLnBrk="1" latinLnBrk="0" hangingPunct="1">
+        <a:defRPr sz="1842" kern="1200">
           <a:solidFill>
             <a:schemeClr val="tx1"/>
           </a:solidFill>
@@ -7043,8 +7179,8 @@
           <a:cs typeface="+mn-cs"/>
         </a:defRPr>
       </a:lvl8pPr>
-      <a:lvl9pPr marL="3509833" algn="l" defTabSz="877458" rtl="0" eaLnBrk="1" latinLnBrk="0" hangingPunct="1">
-        <a:defRPr sz="1727" kern="1200">
+      <a:lvl9pPr marL="3743919" algn="l" defTabSz="935980" rtl="0" eaLnBrk="1" latinLnBrk="0" hangingPunct="1">
+        <a:defRPr sz="1842" kern="1200">
           <a:solidFill>
             <a:schemeClr val="tx1"/>
           </a:solidFill>
@@ -7117,22 +7253,34 @@
       </p:sp>
       <p:pic>
         <p:nvPicPr>
-          <p:cNvPr id="4" name="Banner for Un’architettura per automatizzarli: agenti AI in Copilot Studio by Marco Caruso, Giampiero Fedeli" descr="976999.jpeg"/>
+          <p:cNvPr id="6" name="Picture 5" descr="A green sign with white text and images of men&#10;&#10;AI-generated content may be incorrect.">
+            <a:extLst>
+              <a:ext uri="{FF2B5EF4-FFF2-40B4-BE49-F238E27FC236}">
+                <a16:creationId xmlns:a16="http://schemas.microsoft.com/office/drawing/2014/main" id="{975D34F5-F0AD-4391-9697-9F31C93F8BDA}"/>
+              </a:ext>
+            </a:extLst>
+          </p:cNvPr>
           <p:cNvPicPr>
             <a:picLocks noChangeAspect="1"/>
           </p:cNvPicPr>
           <p:nvPr/>
         </p:nvPicPr>
         <p:blipFill>
-          <a:blip r:embed="rId3"/>
+          <a:blip r:embed="rId3">
+            <a:extLst>
+              <a:ext uri="{28A0092B-C50C-407E-A947-70E740481C1C}">
+                <a14:useLocalDpi xmlns:a14="http://schemas.microsoft.com/office/drawing/2010/main" val="0"/>
+              </a:ext>
+            </a:extLst>
+          </a:blip>
           <a:stretch>
             <a:fillRect/>
           </a:stretch>
         </p:blipFill>
         <p:spPr>
           <a:xfrm>
-            <a:off x="-1" y="-17018"/>
-            <a:ext cx="11699875" cy="7036943"/>
+            <a:off x="0" y="148"/>
+            <a:ext cx="12479338" cy="7019628"/>
           </a:xfrm>
           <a:prstGeom prst="rect">
             <a:avLst/>
@@ -7458,7 +7606,7 @@
         </p:nvPicPr>
         <p:blipFill>
           <a:blip r:embed="rId3"/>
-          <a:srcRect t="413" b="413"/>
+          <a:srcRect t="3516" b="3516"/>
           <a:stretch>
             <a:fillRect/>
           </a:stretch>
@@ -8476,26 +8624,6 @@
 </file>
 
 <file path=customXml/item1.xml><?xml version="1.0" encoding="utf-8"?>
-<?mso-contentType ?>
-<FormTemplates xmlns="http://schemas.microsoft.com/sharepoint/v3/contenttype/forms">
-  <Display>DocumentLibraryForm</Display>
-  <Edit>DocumentLibraryForm</Edit>
-  <New>DocumentLibraryForm</New>
-</FormTemplates>
-</file>
-
-<file path=customXml/item2.xml><?xml version="1.0" encoding="utf-8"?>
-<p:properties xmlns:p="http://schemas.microsoft.com/office/2006/metadata/properties" xmlns:xsi="http://www.w3.org/2001/XMLSchema-instance" xmlns:pc="http://schemas.microsoft.com/office/infopath/2007/PartnerControls">
-  <documentManagement>
-    <TaxCatchAll xmlns="cef5da91-0831-42fa-860c-d84acea2b669" xsi:nil="true"/>
-    <lcf76f155ced4ddcb4097134ff3c332f xmlns="d8121912-130d-4688-8a96-8cf2c237709c">
-      <Terms xmlns="http://schemas.microsoft.com/office/infopath/2007/PartnerControls"/>
-    </lcf76f155ced4ddcb4097134ff3c332f>
-  </documentManagement>
-</p:properties>
-</file>
-
-<file path=customXml/item3.xml><?xml version="1.0" encoding="utf-8"?>
 <ct:contentTypeSchema xmlns:ct="http://schemas.microsoft.com/office/2006/metadata/contentType" xmlns:ma="http://schemas.microsoft.com/office/2006/metadata/properties/metaAttributes" ct:_="" ma:_="" ma:contentTypeName="Document" ma:contentTypeID="0x010100FD6131E5EFD16140B6B7F4892B3B1EDF" ma:contentTypeVersion="13" ma:contentTypeDescription="Create a new document." ma:contentTypeScope="" ma:versionID="145255e663cdc3e6e9cba0ee678cd235">
   <xsd:schema xmlns:xsd="http://www.w3.org/2001/XMLSchema" xmlns:xs="http://www.w3.org/2001/XMLSchema" xmlns:p="http://schemas.microsoft.com/office/2006/metadata/properties" xmlns:ns2="d8121912-130d-4688-8a96-8cf2c237709c" xmlns:ns3="cef5da91-0831-42fa-860c-d84acea2b669" targetNamespace="http://schemas.microsoft.com/office/2006/metadata/properties" ma:root="true" ma:fieldsID="871e515fac4f99d2d7b2b65d09122d2d" ns2:_="" ns3:_="">
     <xsd:import namespace="d8121912-130d-4688-8a96-8cf2c237709c"/>
@@ -8702,10 +8830,41 @@
 </ct:contentTypeSchema>
 </file>
 
+<file path=customXml/item2.xml><?xml version="1.0" encoding="utf-8"?>
+<p:properties xmlns:p="http://schemas.microsoft.com/office/2006/metadata/properties" xmlns:xsi="http://www.w3.org/2001/XMLSchema-instance" xmlns:pc="http://schemas.microsoft.com/office/infopath/2007/PartnerControls">
+  <documentManagement>
+    <TaxCatchAll xmlns="cef5da91-0831-42fa-860c-d84acea2b669" xsi:nil="true"/>
+    <lcf76f155ced4ddcb4097134ff3c332f xmlns="d8121912-130d-4688-8a96-8cf2c237709c">
+      <Terms xmlns="http://schemas.microsoft.com/office/infopath/2007/PartnerControls"/>
+    </lcf76f155ced4ddcb4097134ff3c332f>
+  </documentManagement>
+</p:properties>
+</file>
+
+<file path=customXml/item3.xml><?xml version="1.0" encoding="utf-8"?>
+<?mso-contentType ?>
+<FormTemplates xmlns="http://schemas.microsoft.com/sharepoint/v3/contenttype/forms">
+  <Display>DocumentLibraryForm</Display>
+  <Edit>DocumentLibraryForm</Edit>
+  <New>DocumentLibraryForm</New>
+</FormTemplates>
+</file>
+
 <file path=customXml/itemProps1.xml><?xml version="1.0" encoding="utf-8"?>
-<ds:datastoreItem xmlns:ds="http://schemas.openxmlformats.org/officeDocument/2006/customXml" ds:itemID="{651D6C72-E463-4065-93A5-344FB67CAA7D}">
+<ds:datastoreItem xmlns:ds="http://schemas.openxmlformats.org/officeDocument/2006/customXml" ds:itemID="{A50A8780-E1C8-47C3-88EA-5AF09CE3F136}">
   <ds:schemaRefs>
-    <ds:schemaRef ds:uri="http://schemas.microsoft.com/sharepoint/v3/contenttype/forms"/>
+    <ds:schemaRef ds:uri="http://schemas.microsoft.com/office/2006/metadata/contentType"/>
+    <ds:schemaRef ds:uri="http://schemas.microsoft.com/office/2006/metadata/properties/metaAttributes"/>
+    <ds:schemaRef ds:uri="http://www.w3.org/2001/XMLSchema"/>
+    <ds:schemaRef ds:uri="http://schemas.microsoft.com/office/2006/metadata/properties"/>
+    <ds:schemaRef ds:uri="d8121912-130d-4688-8a96-8cf2c237709c"/>
+    <ds:schemaRef ds:uri="cef5da91-0831-42fa-860c-d84acea2b669"/>
+    <ds:schemaRef ds:uri="http://schemas.microsoft.com/office/2006/documentManagement/types"/>
+    <ds:schemaRef ds:uri="http://schemas.microsoft.com/office/infopath/2007/PartnerControls"/>
+    <ds:schemaRef ds:uri="http://schemas.openxmlformats.org/package/2006/metadata/core-properties"/>
+    <ds:schemaRef ds:uri="http://purl.org/dc/elements/1.1/"/>
+    <ds:schemaRef ds:uri="http://purl.org/dc/terms/"/>
+    <ds:schemaRef ds:uri="http://schemas.microsoft.com/internal/obd"/>
   </ds:schemaRefs>
 </ds:datastoreItem>
 </file>
@@ -8722,7 +8881,11 @@
 </file>
 
 <file path=customXml/itemProps3.xml><?xml version="1.0" encoding="utf-8"?>
-<ds:datastoreItem xmlns:ds="http://schemas.openxmlformats.org/officeDocument/2006/customXml" ds:itemID="{A50A8780-E1C8-47C3-88EA-5AF09CE3F136}"/>
+<ds:datastoreItem xmlns:ds="http://schemas.openxmlformats.org/officeDocument/2006/customXml" ds:itemID="{651D6C72-E463-4065-93A5-344FB67CAA7D}">
+  <ds:schemaRefs>
+    <ds:schemaRef ds:uri="http://schemas.microsoft.com/sharepoint/v3/contenttype/forms"/>
+  </ds:schemaRefs>
+</ds:datastoreItem>
 </file>
 
 <file path=docMetadata/LabelInfo.xml><?xml version="1.0" encoding="utf-8"?>
